--- a/Python_13_Excel.pptx
+++ b/Python_13_Excel.pptx
@@ -195,7 +195,7 @@
           <p:cNvPr id="5122" name="Rectangle 2">
             <a:extLst>
               <a:ext uri="{FF2B5EF4-FFF2-40B4-BE49-F238E27FC236}">
-                <a16:creationId xmlns:a16="http://schemas.microsoft.com/office/drawing/2014/main" id="{94408E82-9513-40F1-B235-A484C54832D3}"/>
+                <a16:creationId xmlns:a16="http://schemas.microsoft.com/office/drawing/2014/main" xmlns="" id="{94408E82-9513-40F1-B235-A484C54832D3}"/>
               </a:ext>
             </a:extLst>
           </p:cNvPr>
@@ -244,7 +244,7 @@
           <p:cNvPr id="5123" name="Rectangle 3">
             <a:extLst>
               <a:ext uri="{FF2B5EF4-FFF2-40B4-BE49-F238E27FC236}">
-                <a16:creationId xmlns:a16="http://schemas.microsoft.com/office/drawing/2014/main" id="{A6557D57-E0CF-48F7-801B-285537AF3C58}"/>
+                <a16:creationId xmlns:a16="http://schemas.microsoft.com/office/drawing/2014/main" xmlns="" id="{A6557D57-E0CF-48F7-801B-285537AF3C58}"/>
               </a:ext>
             </a:extLst>
           </p:cNvPr>
@@ -293,7 +293,7 @@
           <p:cNvPr id="3076" name="Rectangle 4">
             <a:extLst>
               <a:ext uri="{FF2B5EF4-FFF2-40B4-BE49-F238E27FC236}">
-                <a16:creationId xmlns:a16="http://schemas.microsoft.com/office/drawing/2014/main" id="{4BCD564A-9EE5-4DD4-837D-06362045490A}"/>
+                <a16:creationId xmlns:a16="http://schemas.microsoft.com/office/drawing/2014/main" xmlns="" id="{4BCD564A-9EE5-4DD4-837D-06362045490A}"/>
               </a:ext>
             </a:extLst>
           </p:cNvPr>
@@ -350,7 +350,7 @@
           <p:cNvPr id="5125" name="Rectangle 5">
             <a:extLst>
               <a:ext uri="{FF2B5EF4-FFF2-40B4-BE49-F238E27FC236}">
-                <a16:creationId xmlns:a16="http://schemas.microsoft.com/office/drawing/2014/main" id="{E9D279A4-5A88-4D57-B86D-68FB9BCBA7D7}"/>
+                <a16:creationId xmlns:a16="http://schemas.microsoft.com/office/drawing/2014/main" xmlns="" id="{E9D279A4-5A88-4D57-B86D-68FB9BCBA7D7}"/>
               </a:ext>
             </a:extLst>
           </p:cNvPr>
@@ -424,7 +424,7 @@
           <p:cNvPr id="5126" name="Rectangle 6">
             <a:extLst>
               <a:ext uri="{FF2B5EF4-FFF2-40B4-BE49-F238E27FC236}">
-                <a16:creationId xmlns:a16="http://schemas.microsoft.com/office/drawing/2014/main" id="{63848DA2-C3C8-4EF7-B0C6-899512C9C0CF}"/>
+                <a16:creationId xmlns:a16="http://schemas.microsoft.com/office/drawing/2014/main" xmlns="" id="{63848DA2-C3C8-4EF7-B0C6-899512C9C0CF}"/>
               </a:ext>
             </a:extLst>
           </p:cNvPr>
@@ -473,7 +473,7 @@
           <p:cNvPr id="5127" name="Rectangle 7">
             <a:extLst>
               <a:ext uri="{FF2B5EF4-FFF2-40B4-BE49-F238E27FC236}">
-                <a16:creationId xmlns:a16="http://schemas.microsoft.com/office/drawing/2014/main" id="{7FD26C6C-A7E2-4F65-BD2F-6F4F7067A438}"/>
+                <a16:creationId xmlns:a16="http://schemas.microsoft.com/office/drawing/2014/main" xmlns="" id="{7FD26C6C-A7E2-4F65-BD2F-6F4F7067A438}"/>
               </a:ext>
             </a:extLst>
           </p:cNvPr>
@@ -525,6 +525,11 @@
         </p:txBody>
       </p:sp>
     </p:spTree>
+    <p:extLst>
+      <p:ext uri="{BB962C8B-B14F-4D97-AF65-F5344CB8AC3E}">
+        <p14:creationId xmlns:p14="http://schemas.microsoft.com/office/powerpoint/2010/main" val="3843570848"/>
+      </p:ext>
+    </p:extLst>
   </p:cSld>
   <p:clrMap bg1="lt1" tx1="dk1" bg2="lt2" tx2="dk2" accent1="accent1" accent2="accent2" accent3="accent3" accent4="accent4" accent5="accent5" accent6="accent6" hlink="hlink" folHlink="folHlink"/>
   <p:notesStyle>
@@ -674,7 +679,7 @@
           <p:cNvPr id="4" name="AutoShape 3">
             <a:extLst>
               <a:ext uri="{FF2B5EF4-FFF2-40B4-BE49-F238E27FC236}">
-                <a16:creationId xmlns:a16="http://schemas.microsoft.com/office/drawing/2014/main" id="{219F6A34-BBE7-48FD-8C2F-2EE0AAD5C383}"/>
+                <a16:creationId xmlns:a16="http://schemas.microsoft.com/office/drawing/2014/main" xmlns="" id="{219F6A34-BBE7-48FD-8C2F-2EE0AAD5C383}"/>
               </a:ext>
             </a:extLst>
           </p:cNvPr>
@@ -838,7 +843,7 @@
           <p:cNvPr id="5" name="Picture 1">
             <a:extLst>
               <a:ext uri="{FF2B5EF4-FFF2-40B4-BE49-F238E27FC236}">
-                <a16:creationId xmlns:a16="http://schemas.microsoft.com/office/drawing/2014/main" id="{27862231-246E-4332-BEBA-5DF3C1254109}"/>
+                <a16:creationId xmlns:a16="http://schemas.microsoft.com/office/drawing/2014/main" xmlns="" id="{27862231-246E-4332-BEBA-5DF3C1254109}"/>
               </a:ext>
             </a:extLst>
           </p:cNvPr>
@@ -2480,7 +2485,7 @@
           <p:cNvPr id="1036" name="AutoShape 3">
             <a:extLst>
               <a:ext uri="{FF2B5EF4-FFF2-40B4-BE49-F238E27FC236}">
-                <a16:creationId xmlns:a16="http://schemas.microsoft.com/office/drawing/2014/main" id="{43666117-79D8-4276-89FC-822EBBD9F030}"/>
+                <a16:creationId xmlns:a16="http://schemas.microsoft.com/office/drawing/2014/main" xmlns="" id="{43666117-79D8-4276-89FC-822EBBD9F030}"/>
               </a:ext>
             </a:extLst>
           </p:cNvPr>
@@ -2644,7 +2649,7 @@
           <p:cNvPr id="1027" name="Rectangle 2">
             <a:extLst>
               <a:ext uri="{FF2B5EF4-FFF2-40B4-BE49-F238E27FC236}">
-                <a16:creationId xmlns:a16="http://schemas.microsoft.com/office/drawing/2014/main" id="{FF9D01B5-25A0-42CE-BB67-E61451CBFE12}"/>
+                <a16:creationId xmlns:a16="http://schemas.microsoft.com/office/drawing/2014/main" xmlns="" id="{FF9D01B5-25A0-42CE-BB67-E61451CBFE12}"/>
               </a:ext>
             </a:extLst>
           </p:cNvPr>
@@ -2718,7 +2723,7 @@
           <p:cNvPr id="1028" name="Rectangle 3">
             <a:extLst>
               <a:ext uri="{FF2B5EF4-FFF2-40B4-BE49-F238E27FC236}">
-                <a16:creationId xmlns:a16="http://schemas.microsoft.com/office/drawing/2014/main" id="{469F2A3E-B3D5-4BBF-96CB-148E8720FFA5}"/>
+                <a16:creationId xmlns:a16="http://schemas.microsoft.com/office/drawing/2014/main" xmlns="" id="{469F2A3E-B3D5-4BBF-96CB-148E8720FFA5}"/>
               </a:ext>
             </a:extLst>
           </p:cNvPr>
@@ -2820,7 +2825,7 @@
           <p:cNvPr id="1029" name="Picture 1">
             <a:extLst>
               <a:ext uri="{FF2B5EF4-FFF2-40B4-BE49-F238E27FC236}">
-                <a16:creationId xmlns:a16="http://schemas.microsoft.com/office/drawing/2014/main" id="{3EEB02A6-E3F8-479F-B9B3-32BF0F71A02F}"/>
+                <a16:creationId xmlns:a16="http://schemas.microsoft.com/office/drawing/2014/main" xmlns="" id="{3EEB02A6-E3F8-479F-B9B3-32BF0F71A02F}"/>
               </a:ext>
             </a:extLst>
           </p:cNvPr>
@@ -2880,7 +2885,7 @@
           <p:cNvPr id="1030" name="Slide Number Placeholder 3">
             <a:extLst>
               <a:ext uri="{FF2B5EF4-FFF2-40B4-BE49-F238E27FC236}">
-                <a16:creationId xmlns:a16="http://schemas.microsoft.com/office/drawing/2014/main" id="{FE4B0C15-1F58-4060-89C5-D2749B9B0F4F}"/>
+                <a16:creationId xmlns:a16="http://schemas.microsoft.com/office/drawing/2014/main" xmlns="" id="{FE4B0C15-1F58-4060-89C5-D2749B9B0F4F}"/>
               </a:ext>
             </a:extLst>
           </p:cNvPr>
@@ -3050,7 +3055,7 @@
           <p:cNvPr id="7" name="Picture 6" descr="Icon&#10;&#10;Description automatically generated">
             <a:extLst>
               <a:ext uri="{FF2B5EF4-FFF2-40B4-BE49-F238E27FC236}">
-                <a16:creationId xmlns:a16="http://schemas.microsoft.com/office/drawing/2014/main" id="{796A6BD2-640B-43EF-94AF-BBFFAF87778F}"/>
+                <a16:creationId xmlns:a16="http://schemas.microsoft.com/office/drawing/2014/main" xmlns="" id="{796A6BD2-640B-43EF-94AF-BBFFAF87778F}"/>
               </a:ext>
             </a:extLst>
           </p:cNvPr>
@@ -3509,7 +3514,7 @@
           <p:cNvPr id="4098" name="Rectangle 2">
             <a:extLst>
               <a:ext uri="{FF2B5EF4-FFF2-40B4-BE49-F238E27FC236}">
-                <a16:creationId xmlns:a16="http://schemas.microsoft.com/office/drawing/2014/main" id="{54777C75-1513-4D41-82C2-F1489BE71BA7}"/>
+                <a16:creationId xmlns:a16="http://schemas.microsoft.com/office/drawing/2014/main" xmlns="" id="{54777C75-1513-4D41-82C2-F1489BE71BA7}"/>
               </a:ext>
             </a:extLst>
           </p:cNvPr>
@@ -3538,7 +3543,7 @@
           <p:cNvPr id="4099" name="Rectangle 3">
             <a:extLst>
               <a:ext uri="{FF2B5EF4-FFF2-40B4-BE49-F238E27FC236}">
-                <a16:creationId xmlns:a16="http://schemas.microsoft.com/office/drawing/2014/main" id="{9BB860C0-F6E8-45A8-A81F-789D2BDA2E69}"/>
+                <a16:creationId xmlns:a16="http://schemas.microsoft.com/office/drawing/2014/main" xmlns="" id="{9BB860C0-F6E8-45A8-A81F-789D2BDA2E69}"/>
               </a:ext>
             </a:extLst>
           </p:cNvPr>
@@ -3580,6 +3585,13 @@
   <p:clrMapOvr>
     <a:masterClrMapping/>
   </p:clrMapOvr>
+  <p:timing>
+    <p:tnLst>
+      <p:par>
+        <p:cTn id="1" dur="indefinite" restart="never" nodeType="tmRoot"/>
+      </p:par>
+    </p:tnLst>
+  </p:timing>
 </p:sld>
 </file>
 
@@ -3605,7 +3617,7 @@
           <p:cNvPr id="2" name="Title 1">
             <a:extLst>
               <a:ext uri="{FF2B5EF4-FFF2-40B4-BE49-F238E27FC236}">
-                <a16:creationId xmlns:a16="http://schemas.microsoft.com/office/drawing/2014/main" id="{28F4EECD-556C-4F9F-9230-1F679A38468C}"/>
+                <a16:creationId xmlns:a16="http://schemas.microsoft.com/office/drawing/2014/main" xmlns="" id="{28F4EECD-556C-4F9F-9230-1F679A38468C}"/>
               </a:ext>
             </a:extLst>
           </p:cNvPr>
@@ -3633,7 +3645,7 @@
           <p:cNvPr id="3" name="Content Placeholder 2">
             <a:extLst>
               <a:ext uri="{FF2B5EF4-FFF2-40B4-BE49-F238E27FC236}">
-                <a16:creationId xmlns:a16="http://schemas.microsoft.com/office/drawing/2014/main" id="{C81A8381-7834-431A-886B-799B35ECA3C1}"/>
+                <a16:creationId xmlns:a16="http://schemas.microsoft.com/office/drawing/2014/main" xmlns="" id="{C81A8381-7834-431A-886B-799B35ECA3C1}"/>
               </a:ext>
             </a:extLst>
           </p:cNvPr>
@@ -3768,6 +3780,13 @@
   <p:clrMapOvr>
     <a:masterClrMapping/>
   </p:clrMapOvr>
+  <p:timing>
+    <p:tnLst>
+      <p:par>
+        <p:cTn id="1" dur="indefinite" restart="never" nodeType="tmRoot"/>
+      </p:par>
+    </p:tnLst>
+  </p:timing>
 </p:sld>
 </file>
 
@@ -3793,7 +3812,7 @@
           <p:cNvPr id="2" name="Title 1">
             <a:extLst>
               <a:ext uri="{FF2B5EF4-FFF2-40B4-BE49-F238E27FC236}">
-                <a16:creationId xmlns:a16="http://schemas.microsoft.com/office/drawing/2014/main" id="{EA197C01-BAF8-4CBE-BFB1-184A0F115F18}"/>
+                <a16:creationId xmlns:a16="http://schemas.microsoft.com/office/drawing/2014/main" xmlns="" id="{EA197C01-BAF8-4CBE-BFB1-184A0F115F18}"/>
               </a:ext>
             </a:extLst>
           </p:cNvPr>
@@ -3822,7 +3841,7 @@
           <p:cNvPr id="49154" name="Picture 2">
             <a:extLst>
               <a:ext uri="{FF2B5EF4-FFF2-40B4-BE49-F238E27FC236}">
-                <a16:creationId xmlns:a16="http://schemas.microsoft.com/office/drawing/2014/main" id="{183DD4A2-7CCA-49FE-A513-2B3330908422}"/>
+                <a16:creationId xmlns:a16="http://schemas.microsoft.com/office/drawing/2014/main" xmlns="" id="{183DD4A2-7CCA-49FE-A513-2B3330908422}"/>
               </a:ext>
             </a:extLst>
           </p:cNvPr>
@@ -3882,7 +3901,7 @@
           <p:cNvPr id="49155" name="Picture 4">
             <a:extLst>
               <a:ext uri="{FF2B5EF4-FFF2-40B4-BE49-F238E27FC236}">
-                <a16:creationId xmlns:a16="http://schemas.microsoft.com/office/drawing/2014/main" id="{115B4FA2-4B9A-4007-9EDE-747ECF5FF06C}"/>
+                <a16:creationId xmlns:a16="http://schemas.microsoft.com/office/drawing/2014/main" xmlns="" id="{115B4FA2-4B9A-4007-9EDE-747ECF5FF06C}"/>
               </a:ext>
             </a:extLst>
           </p:cNvPr>
@@ -3942,6 +3961,13 @@
   <p:clrMapOvr>
     <a:masterClrMapping/>
   </p:clrMapOvr>
+  <p:timing>
+    <p:tnLst>
+      <p:par>
+        <p:cTn id="1" dur="indefinite" restart="never" nodeType="tmRoot"/>
+      </p:par>
+    </p:tnLst>
+  </p:timing>
 </p:sld>
 </file>
 
@@ -3967,7 +3993,7 @@
           <p:cNvPr id="2" name="Title 1">
             <a:extLst>
               <a:ext uri="{FF2B5EF4-FFF2-40B4-BE49-F238E27FC236}">
-                <a16:creationId xmlns:a16="http://schemas.microsoft.com/office/drawing/2014/main" id="{F2BADFC0-4F57-4B1B-A801-0DA06A08CA52}"/>
+                <a16:creationId xmlns:a16="http://schemas.microsoft.com/office/drawing/2014/main" xmlns="" id="{F2BADFC0-4F57-4B1B-A801-0DA06A08CA52}"/>
               </a:ext>
             </a:extLst>
           </p:cNvPr>
@@ -3995,7 +4021,7 @@
           <p:cNvPr id="3" name="Content Placeholder 2">
             <a:extLst>
               <a:ext uri="{FF2B5EF4-FFF2-40B4-BE49-F238E27FC236}">
-                <a16:creationId xmlns:a16="http://schemas.microsoft.com/office/drawing/2014/main" id="{47EC3DD7-9973-4211-946E-A86F6871C435}"/>
+                <a16:creationId xmlns:a16="http://schemas.microsoft.com/office/drawing/2014/main" xmlns="" id="{47EC3DD7-9973-4211-946E-A86F6871C435}"/>
               </a:ext>
             </a:extLst>
           </p:cNvPr>
@@ -4138,6 +4164,13 @@
   <p:clrMapOvr>
     <a:masterClrMapping/>
   </p:clrMapOvr>
+  <p:timing>
+    <p:tnLst>
+      <p:par>
+        <p:cTn id="1" dur="indefinite" restart="never" nodeType="tmRoot"/>
+      </p:par>
+    </p:tnLst>
+  </p:timing>
 </p:sld>
 </file>
 
@@ -4163,7 +4196,7 @@
           <p:cNvPr id="2" name="Title 1">
             <a:extLst>
               <a:ext uri="{FF2B5EF4-FFF2-40B4-BE49-F238E27FC236}">
-                <a16:creationId xmlns:a16="http://schemas.microsoft.com/office/drawing/2014/main" id="{F2BADFC0-4F57-4B1B-A801-0DA06A08CA52}"/>
+                <a16:creationId xmlns:a16="http://schemas.microsoft.com/office/drawing/2014/main" xmlns="" id="{F2BADFC0-4F57-4B1B-A801-0DA06A08CA52}"/>
               </a:ext>
             </a:extLst>
           </p:cNvPr>
@@ -4191,7 +4224,7 @@
           <p:cNvPr id="3" name="Content Placeholder 2">
             <a:extLst>
               <a:ext uri="{FF2B5EF4-FFF2-40B4-BE49-F238E27FC236}">
-                <a16:creationId xmlns:a16="http://schemas.microsoft.com/office/drawing/2014/main" id="{47EC3DD7-9973-4211-946E-A86F6871C435}"/>
+                <a16:creationId xmlns:a16="http://schemas.microsoft.com/office/drawing/2014/main" xmlns="" id="{47EC3DD7-9973-4211-946E-A86F6871C435}"/>
               </a:ext>
             </a:extLst>
           </p:cNvPr>
@@ -4298,6 +4331,13 @@
   <p:clrMapOvr>
     <a:masterClrMapping/>
   </p:clrMapOvr>
+  <p:timing>
+    <p:tnLst>
+      <p:par>
+        <p:cTn id="1" dur="indefinite" restart="never" nodeType="tmRoot"/>
+      </p:par>
+    </p:tnLst>
+  </p:timing>
 </p:sld>
 </file>
 
@@ -4323,7 +4363,7 @@
           <p:cNvPr id="2" name="Title 1">
             <a:extLst>
               <a:ext uri="{FF2B5EF4-FFF2-40B4-BE49-F238E27FC236}">
-                <a16:creationId xmlns:a16="http://schemas.microsoft.com/office/drawing/2014/main" id="{F5F64A14-8C68-4223-8661-24259C7A9AF3}"/>
+                <a16:creationId xmlns:a16="http://schemas.microsoft.com/office/drawing/2014/main" xmlns="" id="{F5F64A14-8C68-4223-8661-24259C7A9AF3}"/>
               </a:ext>
             </a:extLst>
           </p:cNvPr>
@@ -4351,7 +4391,7 @@
           <p:cNvPr id="53250" name="Picture 3">
             <a:extLst>
               <a:ext uri="{FF2B5EF4-FFF2-40B4-BE49-F238E27FC236}">
-                <a16:creationId xmlns:a16="http://schemas.microsoft.com/office/drawing/2014/main" id="{C33C43D2-C879-4324-8D19-CA1A59D7D917}"/>
+                <a16:creationId xmlns:a16="http://schemas.microsoft.com/office/drawing/2014/main" xmlns="" id="{C33C43D2-C879-4324-8D19-CA1A59D7D917}"/>
               </a:ext>
             </a:extLst>
           </p:cNvPr>
@@ -4411,7 +4451,7 @@
           <p:cNvPr id="53251" name="Picture 5">
             <a:extLst>
               <a:ext uri="{FF2B5EF4-FFF2-40B4-BE49-F238E27FC236}">
-                <a16:creationId xmlns:a16="http://schemas.microsoft.com/office/drawing/2014/main" id="{CEB51DDE-1617-4AED-ABB1-92DE9F1AE9E7}"/>
+                <a16:creationId xmlns:a16="http://schemas.microsoft.com/office/drawing/2014/main" xmlns="" id="{CEB51DDE-1617-4AED-ABB1-92DE9F1AE9E7}"/>
               </a:ext>
             </a:extLst>
           </p:cNvPr>
@@ -4471,6 +4511,13 @@
   <p:clrMapOvr>
     <a:masterClrMapping/>
   </p:clrMapOvr>
+  <p:timing>
+    <p:tnLst>
+      <p:par>
+        <p:cTn id="1" dur="indefinite" restart="never" nodeType="tmRoot"/>
+      </p:par>
+    </p:tnLst>
+  </p:timing>
 </p:sld>
 </file>
 
@@ -4496,7 +4543,7 @@
           <p:cNvPr id="2" name="Title 1">
             <a:extLst>
               <a:ext uri="{FF2B5EF4-FFF2-40B4-BE49-F238E27FC236}">
-                <a16:creationId xmlns:a16="http://schemas.microsoft.com/office/drawing/2014/main" id="{476D1EC0-C19B-4CFD-A568-BE26A147AA75}"/>
+                <a16:creationId xmlns:a16="http://schemas.microsoft.com/office/drawing/2014/main" xmlns="" id="{476D1EC0-C19B-4CFD-A568-BE26A147AA75}"/>
               </a:ext>
             </a:extLst>
           </p:cNvPr>
@@ -4524,7 +4571,7 @@
           <p:cNvPr id="4" name="Rectangle 1">
             <a:extLst>
               <a:ext uri="{FF2B5EF4-FFF2-40B4-BE49-F238E27FC236}">
-                <a16:creationId xmlns:a16="http://schemas.microsoft.com/office/drawing/2014/main" id="{5C19B6CB-CCFD-4E27-997D-BCD5DB8CA8DD}"/>
+                <a16:creationId xmlns:a16="http://schemas.microsoft.com/office/drawing/2014/main" xmlns="" id="{5C19B6CB-CCFD-4E27-997D-BCD5DB8CA8DD}"/>
               </a:ext>
             </a:extLst>
           </p:cNvPr>
@@ -5422,6 +5469,13 @@
   <p:clrMapOvr>
     <a:masterClrMapping/>
   </p:clrMapOvr>
+  <p:timing>
+    <p:tnLst>
+      <p:par>
+        <p:cTn id="1" dur="indefinite" restart="never" nodeType="tmRoot"/>
+      </p:par>
+    </p:tnLst>
+  </p:timing>
 </p:sld>
 </file>
 
@@ -5447,7 +5501,7 @@
           <p:cNvPr id="2" name="Title 1">
             <a:extLst>
               <a:ext uri="{FF2B5EF4-FFF2-40B4-BE49-F238E27FC236}">
-                <a16:creationId xmlns:a16="http://schemas.microsoft.com/office/drawing/2014/main" id="{D3329B76-68F3-4B7F-8BE5-EC928EDAC74E}"/>
+                <a16:creationId xmlns:a16="http://schemas.microsoft.com/office/drawing/2014/main" xmlns="" id="{D3329B76-68F3-4B7F-8BE5-EC928EDAC74E}"/>
               </a:ext>
             </a:extLst>
           </p:cNvPr>
@@ -5475,7 +5529,7 @@
           <p:cNvPr id="4" name="Rectangle 1">
             <a:extLst>
               <a:ext uri="{FF2B5EF4-FFF2-40B4-BE49-F238E27FC236}">
-                <a16:creationId xmlns:a16="http://schemas.microsoft.com/office/drawing/2014/main" id="{5691C467-B5FE-42E6-913D-61FA1BDBB6D2}"/>
+                <a16:creationId xmlns:a16="http://schemas.microsoft.com/office/drawing/2014/main" xmlns="" id="{5691C467-B5FE-42E6-913D-61FA1BDBB6D2}"/>
               </a:ext>
             </a:extLst>
           </p:cNvPr>
@@ -6669,6 +6723,13 @@
   <p:clrMapOvr>
     <a:masterClrMapping/>
   </p:clrMapOvr>
+  <p:timing>
+    <p:tnLst>
+      <p:par>
+        <p:cTn id="1" dur="indefinite" restart="never" nodeType="tmRoot"/>
+      </p:par>
+    </p:tnLst>
+  </p:timing>
 </p:sld>
 </file>
 
@@ -6694,7 +6755,7 @@
           <p:cNvPr id="2" name="Title 1">
             <a:extLst>
               <a:ext uri="{FF2B5EF4-FFF2-40B4-BE49-F238E27FC236}">
-                <a16:creationId xmlns:a16="http://schemas.microsoft.com/office/drawing/2014/main" id="{ACADB8F6-F2AD-44D0-9C2B-CA3F6B83EA6B}"/>
+                <a16:creationId xmlns:a16="http://schemas.microsoft.com/office/drawing/2014/main" xmlns="" id="{ACADB8F6-F2AD-44D0-9C2B-CA3F6B83EA6B}"/>
               </a:ext>
             </a:extLst>
           </p:cNvPr>
@@ -6722,7 +6783,7 @@
           <p:cNvPr id="4" name="Rectangle 1">
             <a:extLst>
               <a:ext uri="{FF2B5EF4-FFF2-40B4-BE49-F238E27FC236}">
-                <a16:creationId xmlns:a16="http://schemas.microsoft.com/office/drawing/2014/main" id="{664A3364-6299-45EB-916E-7D9FA6DE67C9}"/>
+                <a16:creationId xmlns:a16="http://schemas.microsoft.com/office/drawing/2014/main" xmlns="" id="{664A3364-6299-45EB-916E-7D9FA6DE67C9}"/>
               </a:ext>
             </a:extLst>
           </p:cNvPr>
@@ -6735,7 +6796,7 @@
         </p:nvSpPr>
         <p:spPr bwMode="auto">
           <a:xfrm>
-            <a:off x="0" y="1066800"/>
+            <a:off x="0" y="1524000"/>
             <a:ext cx="9144000" cy="2585323"/>
           </a:xfrm>
           <a:prstGeom prst="rect">
@@ -6796,7 +6857,7 @@
               <a:tabLst/>
             </a:pPr>
             <a:r>
-              <a:rPr kumimoji="0" lang="en-US" altLang="en-US" b="0" i="0" u="none" strike="noStrike" cap="none" normalizeH="0" baseline="0">
+              <a:rPr kumimoji="0" lang="en-US" altLang="en-US" b="0" i="0" u="none" strike="noStrike" cap="none" normalizeH="0" baseline="0" dirty="0">
                 <a:ln>
                   <a:noFill/>
                 </a:ln>
@@ -6809,7 +6870,7 @@
               <a:t>import</a:t>
             </a:r>
             <a:r>
-              <a:rPr kumimoji="0" lang="en-US" altLang="en-US" b="0" i="0" u="none" strike="noStrike" cap="none" normalizeH="0" baseline="0">
+              <a:rPr kumimoji="0" lang="en-US" altLang="en-US" b="0" i="0" u="none" strike="noStrike" cap="none" normalizeH="0" baseline="0" dirty="0">
                 <a:ln>
                   <a:noFill/>
                 </a:ln>
@@ -6822,7 +6883,7 @@
               <a:t> </a:t>
             </a:r>
             <a:r>
-              <a:rPr kumimoji="0" lang="en-US" altLang="en-US" b="0" i="0" u="none" strike="noStrike" cap="none" normalizeH="0" baseline="0">
+              <a:rPr kumimoji="0" lang="en-US" altLang="en-US" b="0" i="0" u="none" strike="noStrike" cap="none" normalizeH="0" baseline="0" dirty="0">
                 <a:ln>
                   <a:noFill/>
                 </a:ln>
@@ -6834,7 +6895,7 @@
               </a:rPr>
               <a:t>csv</a:t>
             </a:r>
-            <a:endParaRPr lang="en-US" altLang="en-US">
+            <a:endParaRPr lang="en-US" altLang="en-US" dirty="0">
               <a:solidFill>
                 <a:srgbClr val="212529"/>
               </a:solidFill>
@@ -6859,7 +6920,7 @@
               <a:tabLst/>
             </a:pPr>
             <a:r>
-              <a:rPr kumimoji="0" lang="en-US" altLang="en-US" b="0" i="0" u="none" strike="noStrike" cap="none" normalizeH="0" baseline="0">
+              <a:rPr kumimoji="0" lang="en-US" altLang="en-US" b="0" i="0" u="none" strike="noStrike" cap="none" normalizeH="0" baseline="0" dirty="0">
                 <a:ln>
                   <a:noFill/>
                 </a:ln>
@@ -6872,7 +6933,7 @@
               <a:t>with</a:t>
             </a:r>
             <a:r>
-              <a:rPr kumimoji="0" lang="en-US" altLang="en-US" b="0" i="0" u="none" strike="noStrike" cap="none" normalizeH="0" baseline="0">
+              <a:rPr kumimoji="0" lang="en-US" altLang="en-US" b="0" i="0" u="none" strike="noStrike" cap="none" normalizeH="0" baseline="0" dirty="0">
                 <a:ln>
                   <a:noFill/>
                 </a:ln>
@@ -6885,7 +6946,7 @@
               <a:t> </a:t>
             </a:r>
             <a:r>
-              <a:rPr kumimoji="0" lang="en-US" altLang="en-US" b="0" i="0" u="none" strike="noStrike" cap="none" normalizeH="0" baseline="0">
+              <a:rPr kumimoji="0" lang="en-US" altLang="en-US" b="0" i="0" u="none" strike="noStrike" cap="none" normalizeH="0" baseline="0" dirty="0">
                 <a:ln>
                   <a:noFill/>
                 </a:ln>
@@ -6898,7 +6959,7 @@
               <a:t>(</a:t>
             </a:r>
             <a:r>
-              <a:rPr kumimoji="0" lang="en-US" altLang="en-US" b="0" i="0" u="none" strike="noStrike" cap="none" normalizeH="0" baseline="0">
+              <a:rPr kumimoji="0" lang="en-US" altLang="en-US" b="0" i="0" u="none" strike="noStrike" cap="none" normalizeH="0" baseline="0" dirty="0">
                 <a:ln>
                   <a:noFill/>
                 </a:ln>
@@ -6911,7 +6972,7 @@
               <a:t>'employee_file2.csv'</a:t>
             </a:r>
             <a:r>
-              <a:rPr kumimoji="0" lang="en-US" altLang="en-US" b="0" i="0" u="none" strike="noStrike" cap="none" normalizeH="0" baseline="0">
+              <a:rPr kumimoji="0" lang="en-US" altLang="en-US" b="0" i="0" u="none" strike="noStrike" cap="none" normalizeH="0" baseline="0" dirty="0">
                 <a:ln>
                   <a:noFill/>
                 </a:ln>
@@ -6924,7 +6985,7 @@
               <a:t>,</a:t>
             </a:r>
             <a:r>
-              <a:rPr kumimoji="0" lang="en-US" altLang="en-US" b="0" i="0" u="none" strike="noStrike" cap="none" normalizeH="0" baseline="0">
+              <a:rPr kumimoji="0" lang="en-US" altLang="en-US" b="0" i="0" u="none" strike="noStrike" cap="none" normalizeH="0" baseline="0" dirty="0">
                 <a:ln>
                   <a:noFill/>
                 </a:ln>
@@ -6937,7 +6998,7 @@
               <a:t> </a:t>
             </a:r>
             <a:r>
-              <a:rPr kumimoji="0" lang="en-US" altLang="en-US" b="0" i="0" u="none" strike="noStrike" cap="none" normalizeH="0" baseline="0">
+              <a:rPr kumimoji="0" lang="en-US" altLang="en-US" b="0" i="0" u="none" strike="noStrike" cap="none" normalizeH="0" baseline="0" dirty="0">
                 <a:ln>
                   <a:noFill/>
                 </a:ln>
@@ -6950,7 +7011,7 @@
               <a:t>mode</a:t>
             </a:r>
             <a:r>
-              <a:rPr kumimoji="0" lang="en-US" altLang="en-US" b="0" i="0" u="none" strike="noStrike" cap="none" normalizeH="0" baseline="0">
+              <a:rPr kumimoji="0" lang="en-US" altLang="en-US" b="0" i="0" u="none" strike="noStrike" cap="none" normalizeH="0" baseline="0" dirty="0">
                 <a:ln>
                   <a:noFill/>
                 </a:ln>
@@ -6963,7 +7024,7 @@
               <a:t>=</a:t>
             </a:r>
             <a:r>
-              <a:rPr kumimoji="0" lang="en-US" altLang="en-US" b="0" i="0" u="none" strike="noStrike" cap="none" normalizeH="0" baseline="0">
+              <a:rPr kumimoji="0" lang="en-US" altLang="en-US" b="0" i="0" u="none" strike="noStrike" cap="none" normalizeH="0" baseline="0" dirty="0">
                 <a:ln>
                   <a:noFill/>
                 </a:ln>
@@ -6976,7 +7037,7 @@
               <a:t>'w'</a:t>
             </a:r>
             <a:r>
-              <a:rPr kumimoji="0" lang="en-US" altLang="en-US" b="0" i="0" u="none" strike="noStrike" cap="none" normalizeH="0" baseline="0">
+              <a:rPr kumimoji="0" lang="en-US" altLang="en-US" b="0" i="0" u="none" strike="noStrike" cap="none" normalizeH="0" baseline="0" dirty="0">
                 <a:ln>
                   <a:noFill/>
                 </a:ln>
@@ -6989,7 +7050,7 @@
               <a:t>)</a:t>
             </a:r>
             <a:r>
-              <a:rPr kumimoji="0" lang="en-US" altLang="en-US" b="0" i="0" u="none" strike="noStrike" cap="none" normalizeH="0" baseline="0">
+              <a:rPr kumimoji="0" lang="en-US" altLang="en-US" b="0" i="0" u="none" strike="noStrike" cap="none" normalizeH="0" baseline="0" dirty="0">
                 <a:ln>
                   <a:noFill/>
                 </a:ln>
@@ -7002,7 +7063,7 @@
               <a:t> </a:t>
             </a:r>
             <a:r>
-              <a:rPr kumimoji="0" lang="en-US" altLang="en-US" b="0" i="0" u="none" strike="noStrike" cap="none" normalizeH="0" baseline="0">
+              <a:rPr kumimoji="0" lang="en-US" altLang="en-US" b="0" i="0" u="none" strike="noStrike" cap="none" normalizeH="0" baseline="0" dirty="0">
                 <a:ln>
                   <a:noFill/>
                 </a:ln>
@@ -7015,7 +7076,7 @@
               <a:t>as</a:t>
             </a:r>
             <a:r>
-              <a:rPr kumimoji="0" lang="en-US" altLang="en-US" b="0" i="0" u="none" strike="noStrike" cap="none" normalizeH="0" baseline="0">
+              <a:rPr kumimoji="0" lang="en-US" altLang="en-US" b="0" i="0" u="none" strike="noStrike" cap="none" normalizeH="0" baseline="0" dirty="0">
                 <a:ln>
                   <a:noFill/>
                 </a:ln>
@@ -7028,7 +7089,7 @@
               <a:t> </a:t>
             </a:r>
             <a:r>
-              <a:rPr kumimoji="0" lang="en-US" altLang="en-US" b="0" i="0" u="none" strike="noStrike" cap="none" normalizeH="0" baseline="0">
+              <a:rPr kumimoji="0" lang="en-US" altLang="en-US" b="0" i="0" u="none" strike="noStrike" cap="none" normalizeH="0" baseline="0" dirty="0">
                 <a:ln>
                   <a:noFill/>
                 </a:ln>
@@ -7041,7 +7102,7 @@
               <a:t>csv_file</a:t>
             </a:r>
             <a:r>
-              <a:rPr kumimoji="0" lang="en-US" altLang="en-US" b="0" i="0" u="none" strike="noStrike" cap="none" normalizeH="0" baseline="0">
+              <a:rPr kumimoji="0" lang="en-US" altLang="en-US" b="0" i="0" u="none" strike="noStrike" cap="none" normalizeH="0" baseline="0" dirty="0">
                 <a:ln>
                   <a:noFill/>
                 </a:ln>
@@ -7054,7 +7115,7 @@
               <a:t>:</a:t>
             </a:r>
             <a:r>
-              <a:rPr kumimoji="0" lang="en-US" altLang="en-US" b="0" i="0" u="none" strike="noStrike" cap="none" normalizeH="0" baseline="0">
+              <a:rPr kumimoji="0" lang="en-US" altLang="en-US" b="0" i="0" u="none" strike="noStrike" cap="none" normalizeH="0" baseline="0" dirty="0">
                 <a:ln>
                   <a:noFill/>
                 </a:ln>
@@ -7066,7 +7127,7 @@
               </a:rPr>
               <a:t> </a:t>
             </a:r>
-            <a:endParaRPr lang="en-US" altLang="en-US">
+            <a:endParaRPr lang="en-US" altLang="en-US" dirty="0">
               <a:solidFill>
                 <a:srgbClr val="212529"/>
               </a:solidFill>
@@ -7091,7 +7152,7 @@
               <a:tabLst/>
             </a:pPr>
             <a:r>
-              <a:rPr kumimoji="0" lang="en-US" altLang="en-US" b="0" i="0" u="none" strike="noStrike" cap="none" normalizeH="0" baseline="0">
+              <a:rPr kumimoji="0" lang="en-US" altLang="en-US" b="0" i="0" u="none" strike="noStrike" cap="none" normalizeH="0" baseline="0" dirty="0">
                 <a:ln>
                   <a:noFill/>
                 </a:ln>
@@ -7104,7 +7165,7 @@
               <a:t>	</a:t>
             </a:r>
             <a:r>
-              <a:rPr kumimoji="0" lang="en-US" altLang="en-US" b="0" i="0" u="none" strike="noStrike" cap="none" normalizeH="0" baseline="0">
+              <a:rPr kumimoji="0" lang="en-US" altLang="en-US" b="0" i="0" u="none" strike="noStrike" cap="none" normalizeH="0" baseline="0" dirty="0">
                 <a:ln>
                   <a:noFill/>
                 </a:ln>
@@ -7117,7 +7178,7 @@
               <a:t>fieldnames</a:t>
             </a:r>
             <a:r>
-              <a:rPr kumimoji="0" lang="en-US" altLang="en-US" b="0" i="0" u="none" strike="noStrike" cap="none" normalizeH="0" baseline="0">
+              <a:rPr kumimoji="0" lang="en-US" altLang="en-US" b="0" i="0" u="none" strike="noStrike" cap="none" normalizeH="0" baseline="0" dirty="0">
                 <a:ln>
                   <a:noFill/>
                 </a:ln>
@@ -7130,7 +7191,7 @@
               <a:t> </a:t>
             </a:r>
             <a:r>
-              <a:rPr kumimoji="0" lang="en-US" altLang="en-US" b="0" i="0" u="none" strike="noStrike" cap="none" normalizeH="0" baseline="0">
+              <a:rPr kumimoji="0" lang="en-US" altLang="en-US" b="0" i="0" u="none" strike="noStrike" cap="none" normalizeH="0" baseline="0" dirty="0">
                 <a:ln>
                   <a:noFill/>
                 </a:ln>
@@ -7143,7 +7204,7 @@
               <a:t>=</a:t>
             </a:r>
             <a:r>
-              <a:rPr kumimoji="0" lang="en-US" altLang="en-US" b="0" i="0" u="none" strike="noStrike" cap="none" normalizeH="0" baseline="0">
+              <a:rPr kumimoji="0" lang="en-US" altLang="en-US" b="0" i="0" u="none" strike="noStrike" cap="none" normalizeH="0" baseline="0" dirty="0">
                 <a:ln>
                   <a:noFill/>
                 </a:ln>
@@ -7156,7 +7217,7 @@
               <a:t> </a:t>
             </a:r>
             <a:r>
-              <a:rPr kumimoji="0" lang="en-US" altLang="en-US" b="0" i="0" u="none" strike="noStrike" cap="none" normalizeH="0" baseline="0">
+              <a:rPr kumimoji="0" lang="en-US" altLang="en-US" b="0" i="0" u="none" strike="noStrike" cap="none" normalizeH="0" baseline="0" dirty="0">
                 <a:ln>
                   <a:noFill/>
                 </a:ln>
@@ -7169,7 +7230,7 @@
               <a:t>[</a:t>
             </a:r>
             <a:r>
-              <a:rPr kumimoji="0" lang="en-US" altLang="en-US" b="0" i="0" u="none" strike="noStrike" cap="none" normalizeH="0" baseline="0">
+              <a:rPr kumimoji="0" lang="en-US" altLang="en-US" b="0" i="0" u="none" strike="noStrike" cap="none" normalizeH="0" baseline="0" dirty="0">
                 <a:ln>
                   <a:noFill/>
                 </a:ln>
@@ -7182,7 +7243,7 @@
               <a:t>'emp_name'</a:t>
             </a:r>
             <a:r>
-              <a:rPr kumimoji="0" lang="en-US" altLang="en-US" b="0" i="0" u="none" strike="noStrike" cap="none" normalizeH="0" baseline="0">
+              <a:rPr kumimoji="0" lang="en-US" altLang="en-US" b="0" i="0" u="none" strike="noStrike" cap="none" normalizeH="0" baseline="0" dirty="0">
                 <a:ln>
                   <a:noFill/>
                 </a:ln>
@@ -7195,7 +7256,7 @@
               <a:t>,</a:t>
             </a:r>
             <a:r>
-              <a:rPr kumimoji="0" lang="en-US" altLang="en-US" b="0" i="0" u="none" strike="noStrike" cap="none" normalizeH="0" baseline="0">
+              <a:rPr kumimoji="0" lang="en-US" altLang="en-US" b="0" i="0" u="none" strike="noStrike" cap="none" normalizeH="0" baseline="0" dirty="0">
                 <a:ln>
                   <a:noFill/>
                 </a:ln>
@@ -7208,7 +7269,7 @@
               <a:t> </a:t>
             </a:r>
             <a:r>
-              <a:rPr kumimoji="0" lang="en-US" altLang="en-US" b="0" i="0" u="none" strike="noStrike" cap="none" normalizeH="0" baseline="0">
+              <a:rPr kumimoji="0" lang="en-US" altLang="en-US" b="0" i="0" u="none" strike="noStrike" cap="none" normalizeH="0" baseline="0" dirty="0">
                 <a:ln>
                   <a:noFill/>
                 </a:ln>
@@ -7221,7 +7282,7 @@
               <a:t>'dept'</a:t>
             </a:r>
             <a:r>
-              <a:rPr kumimoji="0" lang="en-US" altLang="en-US" b="0" i="0" u="none" strike="noStrike" cap="none" normalizeH="0" baseline="0">
+              <a:rPr kumimoji="0" lang="en-US" altLang="en-US" b="0" i="0" u="none" strike="noStrike" cap="none" normalizeH="0" baseline="0" dirty="0">
                 <a:ln>
                   <a:noFill/>
                 </a:ln>
@@ -7233,7 +7294,7 @@
               </a:rPr>
               <a:t>]</a:t>
             </a:r>
-            <a:endParaRPr lang="en-US" altLang="en-US">
+            <a:endParaRPr lang="en-US" altLang="en-US" dirty="0">
               <a:solidFill>
                 <a:srgbClr val="212529"/>
               </a:solidFill>
@@ -7258,7 +7319,7 @@
               <a:tabLst/>
             </a:pPr>
             <a:r>
-              <a:rPr kumimoji="0" lang="en-US" altLang="en-US" b="0" i="0" u="none" strike="noStrike" cap="none" normalizeH="0" baseline="0">
+              <a:rPr kumimoji="0" lang="en-US" altLang="en-US" b="0" i="0" u="none" strike="noStrike" cap="none" normalizeH="0" baseline="0" dirty="0">
                 <a:ln>
                   <a:noFill/>
                 </a:ln>
@@ -7271,7 +7332,7 @@
               <a:t>	</a:t>
             </a:r>
             <a:r>
-              <a:rPr kumimoji="0" lang="en-US" altLang="en-US" b="0" i="0" u="none" strike="noStrike" cap="none" normalizeH="0" baseline="0">
+              <a:rPr kumimoji="0" lang="en-US" altLang="en-US" b="0" i="0" u="none" strike="noStrike" cap="none" normalizeH="0" baseline="0" dirty="0">
                 <a:ln>
                   <a:noFill/>
                 </a:ln>
@@ -7284,7 +7345,7 @@
               <a:t>writer</a:t>
             </a:r>
             <a:r>
-              <a:rPr kumimoji="0" lang="en-US" altLang="en-US" b="0" i="0" u="none" strike="noStrike" cap="none" normalizeH="0" baseline="0">
+              <a:rPr kumimoji="0" lang="en-US" altLang="en-US" b="0" i="0" u="none" strike="noStrike" cap="none" normalizeH="0" baseline="0" dirty="0">
                 <a:ln>
                   <a:noFill/>
                 </a:ln>
@@ -7297,7 +7358,7 @@
               <a:t> </a:t>
             </a:r>
             <a:r>
-              <a:rPr kumimoji="0" lang="en-US" altLang="en-US" b="0" i="0" u="none" strike="noStrike" cap="none" normalizeH="0" baseline="0">
+              <a:rPr kumimoji="0" lang="en-US" altLang="en-US" b="0" i="0" u="none" strike="noStrike" cap="none" normalizeH="0" baseline="0" dirty="0">
                 <a:ln>
                   <a:noFill/>
                 </a:ln>
@@ -7310,7 +7371,7 @@
               <a:t>=</a:t>
             </a:r>
             <a:r>
-              <a:rPr kumimoji="0" lang="en-US" altLang="en-US" b="0" i="0" u="none" strike="noStrike" cap="none" normalizeH="0" baseline="0">
+              <a:rPr kumimoji="0" lang="en-US" altLang="en-US" b="0" i="0" u="none" strike="noStrike" cap="none" normalizeH="0" baseline="0" dirty="0">
                 <a:ln>
                   <a:noFill/>
                 </a:ln>
@@ -7323,7 +7384,7 @@
               <a:t> </a:t>
             </a:r>
             <a:r>
-              <a:rPr kumimoji="0" lang="en-US" altLang="en-US" b="0" i="0" u="none" strike="noStrike" cap="none" normalizeH="0" baseline="0">
+              <a:rPr kumimoji="0" lang="en-US" altLang="en-US" b="0" i="0" u="none" strike="noStrike" cap="none" normalizeH="0" baseline="0" dirty="0">
                 <a:ln>
                   <a:noFill/>
                 </a:ln>
@@ -7336,7 +7397,7 @@
               <a:t>csv</a:t>
             </a:r>
             <a:r>
-              <a:rPr kumimoji="0" lang="en-US" altLang="en-US" b="0" i="0" u="none" strike="noStrike" cap="none" normalizeH="0" baseline="0">
+              <a:rPr kumimoji="0" lang="en-US" altLang="en-US" b="0" i="0" u="none" strike="noStrike" cap="none" normalizeH="0" baseline="0" dirty="0">
                 <a:ln>
                   <a:noFill/>
                 </a:ln>
@@ -7349,7 +7410,7 @@
               <a:t>.</a:t>
             </a:r>
             <a:r>
-              <a:rPr kumimoji="0" lang="en-US" altLang="en-US" b="0" i="0" u="none" strike="noStrike" cap="none" normalizeH="0" baseline="0">
+              <a:rPr kumimoji="0" lang="en-US" altLang="en-US" b="0" i="0" u="none" strike="noStrike" cap="none" normalizeH="0" baseline="0" dirty="0">
                 <a:ln>
                   <a:noFill/>
                 </a:ln>
@@ -7362,7 +7423,7 @@
               <a:t>DictWriter</a:t>
             </a:r>
             <a:r>
-              <a:rPr kumimoji="0" lang="en-US" altLang="en-US" b="0" i="0" u="none" strike="noStrike" cap="none" normalizeH="0" baseline="0">
+              <a:rPr kumimoji="0" lang="en-US" altLang="en-US" b="0" i="0" u="none" strike="noStrike" cap="none" normalizeH="0" baseline="0" dirty="0">
                 <a:ln>
                   <a:noFill/>
                 </a:ln>
@@ -7375,7 +7436,7 @@
               <a:t>(</a:t>
             </a:r>
             <a:r>
-              <a:rPr kumimoji="0" lang="en-US" altLang="en-US" b="0" i="0" u="none" strike="noStrike" cap="none" normalizeH="0" baseline="0">
+              <a:rPr kumimoji="0" lang="en-US" altLang="en-US" b="0" i="0" u="none" strike="noStrike" cap="none" normalizeH="0" baseline="0" dirty="0">
                 <a:ln>
                   <a:noFill/>
                 </a:ln>
@@ -7388,7 +7449,7 @@
               <a:t>csv_file</a:t>
             </a:r>
             <a:r>
-              <a:rPr kumimoji="0" lang="en-US" altLang="en-US" b="0" i="0" u="none" strike="noStrike" cap="none" normalizeH="0" baseline="0">
+              <a:rPr kumimoji="0" lang="en-US" altLang="en-US" b="0" i="0" u="none" strike="noStrike" cap="none" normalizeH="0" baseline="0" dirty="0">
                 <a:ln>
                   <a:noFill/>
                 </a:ln>
@@ -7401,7 +7462,7 @@
               <a:t>,</a:t>
             </a:r>
             <a:r>
-              <a:rPr kumimoji="0" lang="en-US" altLang="en-US" b="0" i="0" u="none" strike="noStrike" cap="none" normalizeH="0" baseline="0">
+              <a:rPr kumimoji="0" lang="en-US" altLang="en-US" b="0" i="0" u="none" strike="noStrike" cap="none" normalizeH="0" baseline="0" dirty="0">
                 <a:ln>
                   <a:noFill/>
                 </a:ln>
@@ -7414,7 +7475,7 @@
               <a:t> </a:t>
             </a:r>
             <a:r>
-              <a:rPr kumimoji="0" lang="en-US" altLang="en-US" b="0" i="0" u="none" strike="noStrike" cap="none" normalizeH="0" baseline="0">
+              <a:rPr kumimoji="0" lang="en-US" altLang="en-US" b="0" i="0" u="none" strike="noStrike" cap="none" normalizeH="0" baseline="0" dirty="0">
                 <a:ln>
                   <a:noFill/>
                 </a:ln>
@@ -7427,7 +7488,7 @@
               <a:t>fieldnames</a:t>
             </a:r>
             <a:r>
-              <a:rPr kumimoji="0" lang="en-US" altLang="en-US" b="0" i="0" u="none" strike="noStrike" cap="none" normalizeH="0" baseline="0">
+              <a:rPr kumimoji="0" lang="en-US" altLang="en-US" b="0" i="0" u="none" strike="noStrike" cap="none" normalizeH="0" baseline="0" dirty="0">
                 <a:ln>
                   <a:noFill/>
                 </a:ln>
@@ -7440,7 +7501,7 @@
               <a:t>=</a:t>
             </a:r>
             <a:r>
-              <a:rPr kumimoji="0" lang="en-US" altLang="en-US" b="0" i="0" u="none" strike="noStrike" cap="none" normalizeH="0" baseline="0">
+              <a:rPr kumimoji="0" lang="en-US" altLang="en-US" b="0" i="0" u="none" strike="noStrike" cap="none" normalizeH="0" baseline="0" dirty="0">
                 <a:ln>
                   <a:noFill/>
                 </a:ln>
@@ -7453,7 +7514,7 @@
               <a:t>fieldnames</a:t>
             </a:r>
             <a:r>
-              <a:rPr kumimoji="0" lang="en-US" altLang="en-US" b="0" i="0" u="none" strike="noStrike" cap="none" normalizeH="0" baseline="0">
+              <a:rPr kumimoji="0" lang="en-US" altLang="en-US" b="0" i="0" u="none" strike="noStrike" cap="none" normalizeH="0" baseline="0" dirty="0">
                 <a:ln>
                   <a:noFill/>
                 </a:ln>
@@ -7465,7 +7526,7 @@
               </a:rPr>
               <a:t>)</a:t>
             </a:r>
-            <a:endParaRPr lang="en-US" altLang="en-US">
+            <a:endParaRPr lang="en-US" altLang="en-US" dirty="0">
               <a:solidFill>
                 <a:srgbClr val="212529"/>
               </a:solidFill>
@@ -7490,7 +7551,7 @@
               <a:tabLst/>
             </a:pPr>
             <a:r>
-              <a:rPr kumimoji="0" lang="en-US" altLang="en-US" b="0" i="0" u="none" strike="noStrike" cap="none" normalizeH="0" baseline="0">
+              <a:rPr kumimoji="0" lang="en-US" altLang="en-US" b="0" i="0" u="none" strike="noStrike" cap="none" normalizeH="0" baseline="0" dirty="0">
                 <a:ln>
                   <a:noFill/>
                 </a:ln>
@@ -7503,7 +7564,7 @@
               <a:t>	</a:t>
             </a:r>
             <a:r>
-              <a:rPr kumimoji="0" lang="en-US" altLang="en-US" b="0" i="0" u="none" strike="noStrike" cap="none" normalizeH="0" baseline="0">
+              <a:rPr kumimoji="0" lang="en-US" altLang="en-US" b="0" i="0" u="none" strike="noStrike" cap="none" normalizeH="0" baseline="0" dirty="0">
                 <a:ln>
                   <a:noFill/>
                 </a:ln>
@@ -7516,7 +7577,7 @@
               <a:t>writer</a:t>
             </a:r>
             <a:r>
-              <a:rPr kumimoji="0" lang="en-US" altLang="en-US" b="0" i="0" u="none" strike="noStrike" cap="none" normalizeH="0" baseline="0">
+              <a:rPr kumimoji="0" lang="en-US" altLang="en-US" b="0" i="0" u="none" strike="noStrike" cap="none" normalizeH="0" baseline="0" dirty="0">
                 <a:ln>
                   <a:noFill/>
                 </a:ln>
@@ -7529,7 +7590,7 @@
               <a:t>.</a:t>
             </a:r>
             <a:r>
-              <a:rPr kumimoji="0" lang="en-US" altLang="en-US" b="0" i="0" u="none" strike="noStrike" cap="none" normalizeH="0" baseline="0">
+              <a:rPr kumimoji="0" lang="en-US" altLang="en-US" b="0" i="0" u="none" strike="noStrike" cap="none" normalizeH="0" baseline="0" dirty="0">
                 <a:ln>
                   <a:noFill/>
                 </a:ln>
@@ -7542,7 +7603,7 @@
               <a:t>writeheader</a:t>
             </a:r>
             <a:r>
-              <a:rPr kumimoji="0" lang="en-US" altLang="en-US" b="0" i="0" u="none" strike="noStrike" cap="none" normalizeH="0" baseline="0">
+              <a:rPr kumimoji="0" lang="en-US" altLang="en-US" b="0" i="0" u="none" strike="noStrike" cap="none" normalizeH="0" baseline="0" dirty="0">
                 <a:ln>
                   <a:noFill/>
                 </a:ln>
@@ -7554,7 +7615,7 @@
               </a:rPr>
               <a:t>()</a:t>
             </a:r>
-            <a:endParaRPr lang="en-US" altLang="en-US">
+            <a:endParaRPr lang="en-US" altLang="en-US" dirty="0">
               <a:solidFill>
                 <a:srgbClr val="212529"/>
               </a:solidFill>
@@ -7579,7 +7640,7 @@
               <a:tabLst/>
             </a:pPr>
             <a:r>
-              <a:rPr kumimoji="0" lang="en-US" altLang="en-US" b="0" i="0" u="none" strike="noStrike" cap="none" normalizeH="0" baseline="0">
+              <a:rPr kumimoji="0" lang="en-US" altLang="en-US" b="0" i="0" u="none" strike="noStrike" cap="none" normalizeH="0" baseline="0" dirty="0">
                 <a:ln>
                   <a:noFill/>
                 </a:ln>
@@ -7592,7 +7653,7 @@
               <a:t>	</a:t>
             </a:r>
             <a:r>
-              <a:rPr kumimoji="0" lang="en-US" altLang="en-US" b="0" i="0" u="none" strike="noStrike" cap="none" normalizeH="0" baseline="0">
+              <a:rPr kumimoji="0" lang="en-US" altLang="en-US" b="0" i="0" u="none" strike="noStrike" cap="none" normalizeH="0" baseline="0" dirty="0">
                 <a:ln>
                   <a:noFill/>
                 </a:ln>
@@ -7605,7 +7666,7 @@
               <a:t>writer</a:t>
             </a:r>
             <a:r>
-              <a:rPr kumimoji="0" lang="en-US" altLang="en-US" b="0" i="0" u="none" strike="noStrike" cap="none" normalizeH="0" baseline="0">
+              <a:rPr kumimoji="0" lang="en-US" altLang="en-US" b="0" i="0" u="none" strike="noStrike" cap="none" normalizeH="0" baseline="0" dirty="0">
                 <a:ln>
                   <a:noFill/>
                 </a:ln>
@@ -7618,7 +7679,7 @@
               <a:t>.</a:t>
             </a:r>
             <a:r>
-              <a:rPr kumimoji="0" lang="en-US" altLang="en-US" b="0" i="0" u="none" strike="noStrike" cap="none" normalizeH="0" baseline="0">
+              <a:rPr kumimoji="0" lang="en-US" altLang="en-US" b="0" i="0" u="none" strike="noStrike" cap="none" normalizeH="0" baseline="0" dirty="0">
                 <a:ln>
                   <a:noFill/>
                 </a:ln>
@@ -7631,7 +7692,7 @@
               <a:t>writerow</a:t>
             </a:r>
             <a:r>
-              <a:rPr kumimoji="0" lang="en-US" altLang="en-US" b="0" i="0" u="none" strike="noStrike" cap="none" normalizeH="0" baseline="0">
+              <a:rPr kumimoji="0" lang="en-US" altLang="en-US" b="0" i="0" u="none" strike="noStrike" cap="none" normalizeH="0" baseline="0" dirty="0">
                 <a:ln>
                   <a:noFill/>
                 </a:ln>
@@ -7644,7 +7705,7 @@
               <a:t>({</a:t>
             </a:r>
             <a:r>
-              <a:rPr kumimoji="0" lang="en-US" altLang="en-US" b="0" i="0" u="none" strike="noStrike" cap="none" normalizeH="0" baseline="0">
+              <a:rPr kumimoji="0" lang="en-US" altLang="en-US" b="0" i="0" u="none" strike="noStrike" cap="none" normalizeH="0" baseline="0" dirty="0">
                 <a:ln>
                   <a:noFill/>
                 </a:ln>
@@ -7657,7 +7718,7 @@
               <a:t>'emp_name'</a:t>
             </a:r>
             <a:r>
-              <a:rPr kumimoji="0" lang="en-US" altLang="en-US" b="0" i="0" u="none" strike="noStrike" cap="none" normalizeH="0" baseline="0">
+              <a:rPr kumimoji="0" lang="en-US" altLang="en-US" b="0" i="0" u="none" strike="noStrike" cap="none" normalizeH="0" baseline="0" dirty="0">
                 <a:ln>
                   <a:noFill/>
                 </a:ln>
@@ -7670,7 +7731,7 @@
               <a:t>:</a:t>
             </a:r>
             <a:r>
-              <a:rPr kumimoji="0" lang="en-US" altLang="en-US" b="0" i="0" u="none" strike="noStrike" cap="none" normalizeH="0" baseline="0">
+              <a:rPr kumimoji="0" lang="en-US" altLang="en-US" b="0" i="0" u="none" strike="noStrike" cap="none" normalizeH="0" baseline="0" dirty="0">
                 <a:ln>
                   <a:noFill/>
                 </a:ln>
@@ -7683,7 +7744,7 @@
               <a:t> </a:t>
             </a:r>
             <a:r>
-              <a:rPr kumimoji="0" lang="en-US" altLang="en-US" b="0" i="0" u="none" strike="noStrike" cap="none" normalizeH="0" baseline="0">
+              <a:rPr kumimoji="0" lang="en-US" altLang="en-US" b="0" i="0" u="none" strike="noStrike" cap="none" normalizeH="0" baseline="0" dirty="0">
                 <a:ln>
                   <a:noFill/>
                 </a:ln>
@@ -7696,7 +7757,7 @@
               <a:t>'John Smith'</a:t>
             </a:r>
             <a:r>
-              <a:rPr kumimoji="0" lang="en-US" altLang="en-US" b="0" i="0" u="none" strike="noStrike" cap="none" normalizeH="0" baseline="0">
+              <a:rPr kumimoji="0" lang="en-US" altLang="en-US" b="0" i="0" u="none" strike="noStrike" cap="none" normalizeH="0" baseline="0" dirty="0">
                 <a:ln>
                   <a:noFill/>
                 </a:ln>
@@ -7709,7 +7770,7 @@
               <a:t>,</a:t>
             </a:r>
             <a:r>
-              <a:rPr kumimoji="0" lang="en-US" altLang="en-US" b="0" i="0" u="none" strike="noStrike" cap="none" normalizeH="0" baseline="0">
+              <a:rPr kumimoji="0" lang="en-US" altLang="en-US" b="0" i="0" u="none" strike="noStrike" cap="none" normalizeH="0" baseline="0" dirty="0">
                 <a:ln>
                   <a:noFill/>
                 </a:ln>
@@ -7722,7 +7783,7 @@
               <a:t> </a:t>
             </a:r>
             <a:r>
-              <a:rPr kumimoji="0" lang="en-US" altLang="en-US" b="0" i="0" u="none" strike="noStrike" cap="none" normalizeH="0" baseline="0">
+              <a:rPr kumimoji="0" lang="en-US" altLang="en-US" b="0" i="0" u="none" strike="noStrike" cap="none" normalizeH="0" baseline="0" dirty="0">
                 <a:ln>
                   <a:noFill/>
                 </a:ln>
@@ -7735,7 +7796,7 @@
               <a:t>'dept'</a:t>
             </a:r>
             <a:r>
-              <a:rPr kumimoji="0" lang="en-US" altLang="en-US" b="0" i="0" u="none" strike="noStrike" cap="none" normalizeH="0" baseline="0">
+              <a:rPr kumimoji="0" lang="en-US" altLang="en-US" b="0" i="0" u="none" strike="noStrike" cap="none" normalizeH="0" baseline="0" dirty="0">
                 <a:ln>
                   <a:noFill/>
                 </a:ln>
@@ -7748,7 +7809,7 @@
               <a:t>:</a:t>
             </a:r>
             <a:r>
-              <a:rPr kumimoji="0" lang="en-US" altLang="en-US" b="0" i="0" u="none" strike="noStrike" cap="none" normalizeH="0" baseline="0">
+              <a:rPr kumimoji="0" lang="en-US" altLang="en-US" b="0" i="0" u="none" strike="noStrike" cap="none" normalizeH="0" baseline="0" dirty="0">
                 <a:ln>
                   <a:noFill/>
                 </a:ln>
@@ -7761,7 +7822,7 @@
               <a:t> </a:t>
             </a:r>
             <a:r>
-              <a:rPr kumimoji="0" lang="en-US" altLang="en-US" b="0" i="0" u="none" strike="noStrike" cap="none" normalizeH="0" baseline="0">
+              <a:rPr kumimoji="0" lang="en-US" altLang="en-US" b="0" i="0" u="none" strike="noStrike" cap="none" normalizeH="0" baseline="0" dirty="0">
                 <a:ln>
                   <a:noFill/>
                 </a:ln>
@@ -7774,7 +7835,7 @@
               <a:t>'Accounting'</a:t>
             </a:r>
             <a:r>
-              <a:rPr kumimoji="0" lang="en-US" altLang="en-US" b="0" i="0" u="none" strike="noStrike" cap="none" normalizeH="0" baseline="0">
+              <a:rPr kumimoji="0" lang="en-US" altLang="en-US" b="0" i="0" u="none" strike="noStrike" cap="none" normalizeH="0" baseline="0" dirty="0">
                 <a:ln>
                   <a:noFill/>
                 </a:ln>
@@ -7786,7 +7847,7 @@
               </a:rPr>
               <a:t>})</a:t>
             </a:r>
-            <a:endParaRPr lang="en-US" altLang="en-US">
+            <a:endParaRPr lang="en-US" altLang="en-US" dirty="0">
               <a:solidFill>
                 <a:srgbClr val="212529"/>
               </a:solidFill>
@@ -7811,7 +7872,7 @@
               <a:tabLst/>
             </a:pPr>
             <a:r>
-              <a:rPr kumimoji="0" lang="en-US" altLang="en-US" b="0" i="0" u="none" strike="noStrike" cap="none" normalizeH="0" baseline="0">
+              <a:rPr kumimoji="0" lang="en-US" altLang="en-US" b="0" i="0" u="none" strike="noStrike" cap="none" normalizeH="0" baseline="0" dirty="0">
                 <a:ln>
                   <a:noFill/>
                 </a:ln>
@@ -7824,7 +7885,7 @@
               <a:t>	</a:t>
             </a:r>
             <a:r>
-              <a:rPr kumimoji="0" lang="en-US" altLang="en-US" b="0" i="0" u="none" strike="noStrike" cap="none" normalizeH="0" baseline="0">
+              <a:rPr kumimoji="0" lang="en-US" altLang="en-US" b="0" i="0" u="none" strike="noStrike" cap="none" normalizeH="0" baseline="0" dirty="0">
                 <a:ln>
                   <a:noFill/>
                 </a:ln>
@@ -7837,7 +7898,7 @@
               <a:t>writer</a:t>
             </a:r>
             <a:r>
-              <a:rPr kumimoji="0" lang="en-US" altLang="en-US" b="0" i="0" u="none" strike="noStrike" cap="none" normalizeH="0" baseline="0">
+              <a:rPr kumimoji="0" lang="en-US" altLang="en-US" b="0" i="0" u="none" strike="noStrike" cap="none" normalizeH="0" baseline="0" dirty="0">
                 <a:ln>
                   <a:noFill/>
                 </a:ln>
@@ -7850,7 +7911,7 @@
               <a:t>.</a:t>
             </a:r>
             <a:r>
-              <a:rPr kumimoji="0" lang="en-US" altLang="en-US" b="0" i="0" u="none" strike="noStrike" cap="none" normalizeH="0" baseline="0">
+              <a:rPr kumimoji="0" lang="en-US" altLang="en-US" b="0" i="0" u="none" strike="noStrike" cap="none" normalizeH="0" baseline="0" dirty="0">
                 <a:ln>
                   <a:noFill/>
                 </a:ln>
@@ -7863,7 +7924,7 @@
               <a:t>writerow</a:t>
             </a:r>
             <a:r>
-              <a:rPr kumimoji="0" lang="en-US" altLang="en-US" b="0" i="0" u="none" strike="noStrike" cap="none" normalizeH="0" baseline="0">
+              <a:rPr kumimoji="0" lang="en-US" altLang="en-US" b="0" i="0" u="none" strike="noStrike" cap="none" normalizeH="0" baseline="0" dirty="0">
                 <a:ln>
                   <a:noFill/>
                 </a:ln>
@@ -7876,7 +7937,7 @@
               <a:t>({</a:t>
             </a:r>
             <a:r>
-              <a:rPr kumimoji="0" lang="en-US" altLang="en-US" b="0" i="0" u="none" strike="noStrike" cap="none" normalizeH="0" baseline="0">
+              <a:rPr kumimoji="0" lang="en-US" altLang="en-US" b="0" i="0" u="none" strike="noStrike" cap="none" normalizeH="0" baseline="0" dirty="0">
                 <a:ln>
                   <a:noFill/>
                 </a:ln>
@@ -7889,7 +7950,7 @@
               <a:t>'emp_name'</a:t>
             </a:r>
             <a:r>
-              <a:rPr kumimoji="0" lang="en-US" altLang="en-US" b="0" i="0" u="none" strike="noStrike" cap="none" normalizeH="0" baseline="0">
+              <a:rPr kumimoji="0" lang="en-US" altLang="en-US" b="0" i="0" u="none" strike="noStrike" cap="none" normalizeH="0" baseline="0" dirty="0">
                 <a:ln>
                   <a:noFill/>
                 </a:ln>
@@ -7902,7 +7963,7 @@
               <a:t>:</a:t>
             </a:r>
             <a:r>
-              <a:rPr kumimoji="0" lang="en-US" altLang="en-US" b="0" i="0" u="none" strike="noStrike" cap="none" normalizeH="0" baseline="0">
+              <a:rPr kumimoji="0" lang="en-US" altLang="en-US" b="0" i="0" u="none" strike="noStrike" cap="none" normalizeH="0" baseline="0" dirty="0">
                 <a:ln>
                   <a:noFill/>
                 </a:ln>
@@ -7915,7 +7976,7 @@
               <a:t> </a:t>
             </a:r>
             <a:r>
-              <a:rPr kumimoji="0" lang="en-US" altLang="en-US" b="0" i="0" u="none" strike="noStrike" cap="none" normalizeH="0" baseline="0">
+              <a:rPr kumimoji="0" lang="en-US" altLang="en-US" b="0" i="0" u="none" strike="noStrike" cap="none" normalizeH="0" baseline="0" dirty="0">
                 <a:ln>
                   <a:noFill/>
                 </a:ln>
@@ -7928,7 +7989,7 @@
               <a:t>'Erica Meyers'</a:t>
             </a:r>
             <a:r>
-              <a:rPr kumimoji="0" lang="en-US" altLang="en-US" b="0" i="0" u="none" strike="noStrike" cap="none" normalizeH="0" baseline="0">
+              <a:rPr kumimoji="0" lang="en-US" altLang="en-US" b="0" i="0" u="none" strike="noStrike" cap="none" normalizeH="0" baseline="0" dirty="0">
                 <a:ln>
                   <a:noFill/>
                 </a:ln>
@@ -7941,7 +8002,7 @@
               <a:t>,</a:t>
             </a:r>
             <a:r>
-              <a:rPr kumimoji="0" lang="en-US" altLang="en-US" b="0" i="0" u="none" strike="noStrike" cap="none" normalizeH="0" baseline="0">
+              <a:rPr kumimoji="0" lang="en-US" altLang="en-US" b="0" i="0" u="none" strike="noStrike" cap="none" normalizeH="0" baseline="0" dirty="0">
                 <a:ln>
                   <a:noFill/>
                 </a:ln>
@@ -7954,7 +8015,7 @@
               <a:t> </a:t>
             </a:r>
             <a:r>
-              <a:rPr kumimoji="0" lang="en-US" altLang="en-US" b="0" i="0" u="none" strike="noStrike" cap="none" normalizeH="0" baseline="0">
+              <a:rPr kumimoji="0" lang="en-US" altLang="en-US" b="0" i="0" u="none" strike="noStrike" cap="none" normalizeH="0" baseline="0" dirty="0">
                 <a:ln>
                   <a:noFill/>
                 </a:ln>
@@ -7967,7 +8028,7 @@
               <a:t>'dept'</a:t>
             </a:r>
             <a:r>
-              <a:rPr kumimoji="0" lang="en-US" altLang="en-US" b="0" i="0" u="none" strike="noStrike" cap="none" normalizeH="0" baseline="0">
+              <a:rPr kumimoji="0" lang="en-US" altLang="en-US" b="0" i="0" u="none" strike="noStrike" cap="none" normalizeH="0" baseline="0" dirty="0">
                 <a:ln>
                   <a:noFill/>
                 </a:ln>
@@ -7980,7 +8041,7 @@
               <a:t>:</a:t>
             </a:r>
             <a:r>
-              <a:rPr kumimoji="0" lang="en-US" altLang="en-US" b="0" i="0" u="none" strike="noStrike" cap="none" normalizeH="0" baseline="0">
+              <a:rPr kumimoji="0" lang="en-US" altLang="en-US" b="0" i="0" u="none" strike="noStrike" cap="none" normalizeH="0" baseline="0" dirty="0">
                 <a:ln>
                   <a:noFill/>
                 </a:ln>
@@ -7993,7 +8054,7 @@
               <a:t> </a:t>
             </a:r>
             <a:r>
-              <a:rPr kumimoji="0" lang="en-US" altLang="en-US" b="0" i="0" u="none" strike="noStrike" cap="none" normalizeH="0" baseline="0">
+              <a:rPr kumimoji="0" lang="en-US" altLang="en-US" b="0" i="0" u="none" strike="noStrike" cap="none" normalizeH="0" baseline="0" dirty="0">
                 <a:ln>
                   <a:noFill/>
                 </a:ln>
@@ -8006,7 +8067,7 @@
               <a:t>'IT'</a:t>
             </a:r>
             <a:r>
-              <a:rPr kumimoji="0" lang="en-US" altLang="en-US" b="0" i="0" u="none" strike="noStrike" cap="none" normalizeH="0" baseline="0">
+              <a:rPr kumimoji="0" lang="en-US" altLang="en-US" b="0" i="0" u="none" strike="noStrike" cap="none" normalizeH="0" baseline="0" dirty="0">
                 <a:ln>
                   <a:noFill/>
                 </a:ln>
@@ -8019,7 +8080,7 @@
               <a:t>})</a:t>
             </a:r>
             <a:r>
-              <a:rPr kumimoji="0" lang="en-US" altLang="en-US" b="0" i="0" u="none" strike="noStrike" cap="none" normalizeH="0" baseline="0">
+              <a:rPr kumimoji="0" lang="en-US" altLang="en-US" b="0" i="0" u="none" strike="noStrike" cap="none" normalizeH="0" baseline="0" dirty="0">
                 <a:ln>
                   <a:noFill/>
                 </a:ln>
@@ -8030,7 +8091,7 @@
               </a:rPr>
               <a:t> </a:t>
             </a:r>
-            <a:endParaRPr kumimoji="0" lang="en-US" altLang="en-US" b="0" i="0" u="none" strike="noStrike" cap="none" normalizeH="0" baseline="0">
+            <a:endParaRPr kumimoji="0" lang="en-US" altLang="en-US" b="0" i="0" u="none" strike="noStrike" cap="none" normalizeH="0" baseline="0" dirty="0">
               <a:ln>
                 <a:noFill/>
               </a:ln>
@@ -8053,6 +8114,13 @@
   <p:clrMapOvr>
     <a:masterClrMapping/>
   </p:clrMapOvr>
+  <p:timing>
+    <p:tnLst>
+      <p:par>
+        <p:cTn id="1" dur="indefinite" restart="never" nodeType="tmRoot"/>
+      </p:par>
+    </p:tnLst>
+  </p:timing>
 </p:sld>
 </file>
 
@@ -8078,7 +8146,7 @@
           <p:cNvPr id="2" name="Title 1">
             <a:extLst>
               <a:ext uri="{FF2B5EF4-FFF2-40B4-BE49-F238E27FC236}">
-                <a16:creationId xmlns:a16="http://schemas.microsoft.com/office/drawing/2014/main" id="{2AC6CC2C-3433-49CF-8E43-65CF25F4D3B9}"/>
+                <a16:creationId xmlns:a16="http://schemas.microsoft.com/office/drawing/2014/main" xmlns="" id="{2AC6CC2C-3433-49CF-8E43-65CF25F4D3B9}"/>
               </a:ext>
             </a:extLst>
           </p:cNvPr>
@@ -8106,7 +8174,7 @@
           <p:cNvPr id="3" name="Content Placeholder 2">
             <a:extLst>
               <a:ext uri="{FF2B5EF4-FFF2-40B4-BE49-F238E27FC236}">
-                <a16:creationId xmlns:a16="http://schemas.microsoft.com/office/drawing/2014/main" id="{DF15CE38-99ED-4DE2-AF88-A7D992A8D15D}"/>
+                <a16:creationId xmlns:a16="http://schemas.microsoft.com/office/drawing/2014/main" xmlns="" id="{DF15CE38-99ED-4DE2-AF88-A7D992A8D15D}"/>
               </a:ext>
             </a:extLst>
           </p:cNvPr>
@@ -8217,6 +8285,13 @@
   <p:clrMapOvr>
     <a:masterClrMapping/>
   </p:clrMapOvr>
+  <p:timing>
+    <p:tnLst>
+      <p:par>
+        <p:cTn id="1" dur="indefinite" restart="never" nodeType="tmRoot"/>
+      </p:par>
+    </p:tnLst>
+  </p:timing>
 </p:sld>
 </file>
 

--- a/Python_13_Excel.pptx
+++ b/Python_13_Excel.pptx
@@ -4645,7 +4645,7 @@
               <a:tabLst/>
             </a:pPr>
             <a:r>
-              <a:rPr kumimoji="0" lang="en-US" altLang="en-US" sz="2800" b="0" i="0" u="none" strike="noStrike" cap="none" normalizeH="0" baseline="0">
+              <a:rPr kumimoji="0" lang="en-US" altLang="en-US" sz="2800" b="0" i="0" u="none" strike="noStrike" cap="none" normalizeH="0" baseline="0" dirty="0">
                 <a:ln>
                   <a:noFill/>
                 </a:ln>
@@ -4658,7 +4658,7 @@
               <a:t>import</a:t>
             </a:r>
             <a:r>
-              <a:rPr kumimoji="0" lang="en-US" altLang="en-US" sz="2800" b="0" i="0" u="none" strike="noStrike" cap="none" normalizeH="0" baseline="0">
+              <a:rPr kumimoji="0" lang="en-US" altLang="en-US" sz="2800" b="0" i="0" u="none" strike="noStrike" cap="none" normalizeH="0" baseline="0" dirty="0">
                 <a:ln>
                   <a:noFill/>
                 </a:ln>
@@ -4671,7 +4671,7 @@
               <a:t> </a:t>
             </a:r>
             <a:r>
-              <a:rPr kumimoji="0" lang="en-US" altLang="en-US" sz="2800" b="0" i="0" u="none" strike="noStrike" cap="none" normalizeH="0" baseline="0">
+              <a:rPr kumimoji="0" lang="en-US" altLang="en-US" sz="2800" b="0" i="0" u="none" strike="noStrike" cap="none" normalizeH="0" baseline="0" dirty="0">
                 <a:ln>
                   <a:noFill/>
                 </a:ln>
@@ -4683,7 +4683,7 @@
               </a:rPr>
               <a:t>csv</a:t>
             </a:r>
-            <a:endParaRPr lang="en-US" altLang="en-US" sz="2800">
+            <a:endParaRPr lang="en-US" altLang="en-US" sz="2800" dirty="0">
               <a:solidFill>
                 <a:srgbClr val="212529"/>
               </a:solidFill>
@@ -4708,7 +4708,7 @@
               <a:tabLst/>
             </a:pPr>
             <a:r>
-              <a:rPr kumimoji="0" lang="en-US" altLang="en-US" sz="2800" b="0" i="0" u="none" strike="noStrike" cap="none" normalizeH="0" baseline="0">
+              <a:rPr kumimoji="0" lang="en-US" altLang="en-US" sz="2800" b="0" i="0" u="none" strike="noStrike" cap="none" normalizeH="0" baseline="0" dirty="0">
                 <a:ln>
                   <a:noFill/>
                 </a:ln>
@@ -4721,7 +4721,7 @@
               <a:t>with</a:t>
             </a:r>
             <a:r>
-              <a:rPr kumimoji="0" lang="en-US" altLang="en-US" sz="2800" b="0" i="0" u="none" strike="noStrike" cap="none" normalizeH="0" baseline="0">
+              <a:rPr kumimoji="0" lang="en-US" altLang="en-US" sz="2800" b="0" i="0" u="none" strike="noStrike" cap="none" normalizeH="0" baseline="0" dirty="0">
                 <a:ln>
                   <a:noFill/>
                 </a:ln>
@@ -4734,7 +4734,7 @@
               <a:t> </a:t>
             </a:r>
             <a:r>
-              <a:rPr kumimoji="0" lang="en-US" altLang="en-US" sz="2800" b="0" i="0" u="none" strike="noStrike" cap="none" normalizeH="0" baseline="0">
+              <a:rPr kumimoji="0" lang="en-US" altLang="en-US" sz="2800" b="0" i="0" u="none" strike="noStrike" cap="none" normalizeH="0" baseline="0" dirty="0">
                 <a:ln>
                   <a:noFill/>
                 </a:ln>
@@ -4747,7 +4747,7 @@
               <a:t>(</a:t>
             </a:r>
             <a:r>
-              <a:rPr kumimoji="0" lang="en-US" altLang="en-US" sz="2800" b="0" i="0" u="none" strike="noStrike" cap="none" normalizeH="0" baseline="0">
+              <a:rPr kumimoji="0" lang="en-US" altLang="en-US" sz="2800" b="0" i="0" u="none" strike="noStrike" cap="none" normalizeH="0" baseline="0" dirty="0">
                 <a:ln>
                   <a:noFill/>
                 </a:ln>
@@ -4760,7 +4760,7 @@
               <a:t>'employee_birthday.txt'</a:t>
             </a:r>
             <a:r>
-              <a:rPr kumimoji="0" lang="en-US" altLang="en-US" sz="2800" b="0" i="0" u="none" strike="noStrike" cap="none" normalizeH="0" baseline="0">
+              <a:rPr kumimoji="0" lang="en-US" altLang="en-US" sz="2800" b="0" i="0" u="none" strike="noStrike" cap="none" normalizeH="0" baseline="0" dirty="0">
                 <a:ln>
                   <a:noFill/>
                 </a:ln>
@@ -4773,7 +4773,7 @@
               <a:t>,</a:t>
             </a:r>
             <a:r>
-              <a:rPr kumimoji="0" lang="en-US" altLang="en-US" sz="2800" b="0" i="0" u="none" strike="noStrike" cap="none" normalizeH="0" baseline="0">
+              <a:rPr kumimoji="0" lang="en-US" altLang="en-US" sz="2800" b="0" i="0" u="none" strike="noStrike" cap="none" normalizeH="0" baseline="0" dirty="0">
                 <a:ln>
                   <a:noFill/>
                 </a:ln>
@@ -4786,7 +4786,7 @@
               <a:t> </a:t>
             </a:r>
             <a:r>
-              <a:rPr kumimoji="0" lang="en-US" altLang="en-US" sz="2800" b="0" i="0" u="none" strike="noStrike" cap="none" normalizeH="0" baseline="0">
+              <a:rPr kumimoji="0" lang="en-US" altLang="en-US" sz="2800" b="0" i="0" u="none" strike="noStrike" cap="none" normalizeH="0" baseline="0" dirty="0">
                 <a:ln>
                   <a:noFill/>
                 </a:ln>
@@ -4799,7 +4799,7 @@
               <a:t>mode</a:t>
             </a:r>
             <a:r>
-              <a:rPr kumimoji="0" lang="en-US" altLang="en-US" sz="2800" b="0" i="0" u="none" strike="noStrike" cap="none" normalizeH="0" baseline="0">
+              <a:rPr kumimoji="0" lang="en-US" altLang="en-US" sz="2800" b="0" i="0" u="none" strike="noStrike" cap="none" normalizeH="0" baseline="0" dirty="0">
                 <a:ln>
                   <a:noFill/>
                 </a:ln>
@@ -4812,7 +4812,7 @@
               <a:t>=</a:t>
             </a:r>
             <a:r>
-              <a:rPr kumimoji="0" lang="en-US" altLang="en-US" sz="2800" b="0" i="0" u="none" strike="noStrike" cap="none" normalizeH="0" baseline="0">
+              <a:rPr kumimoji="0" lang="en-US" altLang="en-US" sz="2800" b="0" i="0" u="none" strike="noStrike" cap="none" normalizeH="0" baseline="0" dirty="0">
                 <a:ln>
                   <a:noFill/>
                 </a:ln>
@@ -4825,7 +4825,7 @@
               <a:t>'r'</a:t>
             </a:r>
             <a:r>
-              <a:rPr kumimoji="0" lang="en-US" altLang="en-US" sz="2800" b="0" i="0" u="none" strike="noStrike" cap="none" normalizeH="0" baseline="0">
+              <a:rPr kumimoji="0" lang="en-US" altLang="en-US" sz="2800" b="0" i="0" u="none" strike="noStrike" cap="none" normalizeH="0" baseline="0" dirty="0">
                 <a:ln>
                   <a:noFill/>
                 </a:ln>
@@ -4838,7 +4838,7 @@
               <a:t>)</a:t>
             </a:r>
             <a:r>
-              <a:rPr kumimoji="0" lang="en-US" altLang="en-US" sz="2800" b="0" i="0" u="none" strike="noStrike" cap="none" normalizeH="0" baseline="0">
+              <a:rPr kumimoji="0" lang="en-US" altLang="en-US" sz="2800" b="0" i="0" u="none" strike="noStrike" cap="none" normalizeH="0" baseline="0" dirty="0">
                 <a:ln>
                   <a:noFill/>
                 </a:ln>
@@ -4851,7 +4851,7 @@
               <a:t> </a:t>
             </a:r>
             <a:r>
-              <a:rPr kumimoji="0" lang="en-US" altLang="en-US" sz="2800" b="0" i="0" u="none" strike="noStrike" cap="none" normalizeH="0" baseline="0">
+              <a:rPr kumimoji="0" lang="en-US" altLang="en-US" sz="2800" b="0" i="0" u="none" strike="noStrike" cap="none" normalizeH="0" baseline="0" dirty="0">
                 <a:ln>
                   <a:noFill/>
                 </a:ln>
@@ -4864,7 +4864,7 @@
               <a:t>as</a:t>
             </a:r>
             <a:r>
-              <a:rPr kumimoji="0" lang="en-US" altLang="en-US" sz="2800" b="0" i="0" u="none" strike="noStrike" cap="none" normalizeH="0" baseline="0">
+              <a:rPr kumimoji="0" lang="en-US" altLang="en-US" sz="2800" b="0" i="0" u="none" strike="noStrike" cap="none" normalizeH="0" baseline="0" dirty="0">
                 <a:ln>
                   <a:noFill/>
                 </a:ln>
@@ -4877,7 +4877,7 @@
               <a:t> </a:t>
             </a:r>
             <a:r>
-              <a:rPr kumimoji="0" lang="en-US" altLang="en-US" sz="2800" b="0" i="0" u="none" strike="noStrike" cap="none" normalizeH="0" baseline="0">
+              <a:rPr kumimoji="0" lang="en-US" altLang="en-US" sz="2800" b="0" i="0" u="none" strike="noStrike" cap="none" normalizeH="0" baseline="0" dirty="0">
                 <a:ln>
                   <a:noFill/>
                 </a:ln>
@@ -4890,7 +4890,7 @@
               <a:t>csv_file</a:t>
             </a:r>
             <a:r>
-              <a:rPr kumimoji="0" lang="en-US" altLang="en-US" sz="2800" b="0" i="0" u="none" strike="noStrike" cap="none" normalizeH="0" baseline="0">
+              <a:rPr kumimoji="0" lang="en-US" altLang="en-US" sz="2800" b="0" i="0" u="none" strike="noStrike" cap="none" normalizeH="0" baseline="0" dirty="0">
                 <a:ln>
                   <a:noFill/>
                 </a:ln>
@@ -4921,7 +4921,7 @@
               <a:tabLst/>
             </a:pPr>
             <a:r>
-              <a:rPr kumimoji="0" lang="en-US" altLang="en-US" sz="2800" b="0" i="0" u="none" strike="noStrike" cap="none" normalizeH="0" baseline="0">
+              <a:rPr kumimoji="0" lang="en-US" altLang="en-US" sz="2800" b="0" i="0" u="none" strike="noStrike" cap="none" normalizeH="0" baseline="0" dirty="0">
                 <a:ln>
                   <a:noFill/>
                 </a:ln>
@@ -4934,7 +4934,7 @@
               <a:t>	csv_reader</a:t>
             </a:r>
             <a:r>
-              <a:rPr kumimoji="0" lang="en-US" altLang="en-US" sz="2800" b="0" i="0" u="none" strike="noStrike" cap="none" normalizeH="0" baseline="0">
+              <a:rPr kumimoji="0" lang="en-US" altLang="en-US" sz="2800" b="0" i="0" u="none" strike="noStrike" cap="none" normalizeH="0" baseline="0" dirty="0">
                 <a:ln>
                   <a:noFill/>
                 </a:ln>
@@ -4947,7 +4947,7 @@
               <a:t> </a:t>
             </a:r>
             <a:r>
-              <a:rPr kumimoji="0" lang="en-US" altLang="en-US" sz="2800" b="0" i="0" u="none" strike="noStrike" cap="none" normalizeH="0" baseline="0">
+              <a:rPr kumimoji="0" lang="en-US" altLang="en-US" sz="2800" b="0" i="0" u="none" strike="noStrike" cap="none" normalizeH="0" baseline="0" dirty="0">
                 <a:ln>
                   <a:noFill/>
                 </a:ln>
@@ -4960,7 +4960,7 @@
               <a:t>=</a:t>
             </a:r>
             <a:r>
-              <a:rPr kumimoji="0" lang="en-US" altLang="en-US" sz="2800" b="0" i="0" u="none" strike="noStrike" cap="none" normalizeH="0" baseline="0">
+              <a:rPr kumimoji="0" lang="en-US" altLang="en-US" sz="2800" b="0" i="0" u="none" strike="noStrike" cap="none" normalizeH="0" baseline="0" dirty="0">
                 <a:ln>
                   <a:noFill/>
                 </a:ln>
@@ -4973,7 +4973,7 @@
               <a:t> </a:t>
             </a:r>
             <a:r>
-              <a:rPr kumimoji="0" lang="en-US" altLang="en-US" sz="2800" b="0" i="0" u="none" strike="noStrike" cap="none" normalizeH="0" baseline="0">
+              <a:rPr kumimoji="0" lang="en-US" altLang="en-US" sz="2800" b="0" i="0" u="none" strike="noStrike" cap="none" normalizeH="0" baseline="0" dirty="0">
                 <a:ln>
                   <a:noFill/>
                 </a:ln>
@@ -4986,7 +4986,7 @@
               <a:t>csv</a:t>
             </a:r>
             <a:r>
-              <a:rPr kumimoji="0" lang="en-US" altLang="en-US" sz="2800" b="0" i="0" u="none" strike="noStrike" cap="none" normalizeH="0" baseline="0">
+              <a:rPr kumimoji="0" lang="en-US" altLang="en-US" sz="2800" b="0" i="0" u="none" strike="noStrike" cap="none" normalizeH="0" baseline="0" dirty="0">
                 <a:ln>
                   <a:noFill/>
                 </a:ln>
@@ -4999,7 +4999,7 @@
               <a:t>.</a:t>
             </a:r>
             <a:r>
-              <a:rPr kumimoji="0" lang="en-US" altLang="en-US" sz="2800" b="0" i="0" u="none" strike="noStrike" cap="none" normalizeH="0" baseline="0">
+              <a:rPr kumimoji="0" lang="en-US" altLang="en-US" sz="2800" b="0" i="0" u="none" strike="noStrike" cap="none" normalizeH="0" baseline="0" dirty="0">
                 <a:ln>
                   <a:noFill/>
                 </a:ln>
@@ -5012,7 +5012,7 @@
               <a:t>DictReader</a:t>
             </a:r>
             <a:r>
-              <a:rPr kumimoji="0" lang="en-US" altLang="en-US" sz="2800" b="0" i="0" u="none" strike="noStrike" cap="none" normalizeH="0" baseline="0">
+              <a:rPr kumimoji="0" lang="en-US" altLang="en-US" sz="2800" b="0" i="0" u="none" strike="noStrike" cap="none" normalizeH="0" baseline="0" dirty="0">
                 <a:ln>
                   <a:noFill/>
                 </a:ln>
@@ -5025,7 +5025,7 @@
               <a:t>(</a:t>
             </a:r>
             <a:r>
-              <a:rPr kumimoji="0" lang="en-US" altLang="en-US" sz="2800" b="0" i="0" u="none" strike="noStrike" cap="none" normalizeH="0" baseline="0">
+              <a:rPr kumimoji="0" lang="en-US" altLang="en-US" sz="2800" b="0" i="0" u="none" strike="noStrike" cap="none" normalizeH="0" baseline="0" dirty="0">
                 <a:ln>
                   <a:noFill/>
                 </a:ln>
@@ -5038,7 +5038,7 @@
               <a:t>csv_file</a:t>
             </a:r>
             <a:r>
-              <a:rPr kumimoji="0" lang="en-US" altLang="en-US" sz="2800" b="0" i="0" u="none" strike="noStrike" cap="none" normalizeH="0" baseline="0">
+              <a:rPr kumimoji="0" lang="en-US" altLang="en-US" sz="2800" b="0" i="0" u="none" strike="noStrike" cap="none" normalizeH="0" baseline="0" dirty="0">
                 <a:ln>
                   <a:noFill/>
                 </a:ln>
@@ -5069,7 +5069,7 @@
               <a:tabLst/>
             </a:pPr>
             <a:r>
-              <a:rPr kumimoji="0" lang="en-US" altLang="en-US" sz="2800" b="0" i="0" u="none" strike="noStrike" cap="none" normalizeH="0" baseline="0">
+              <a:rPr kumimoji="0" lang="en-US" altLang="en-US" sz="2800" b="0" i="0" u="none" strike="noStrike" cap="none" normalizeH="0" baseline="0" dirty="0">
                 <a:ln>
                   <a:noFill/>
                 </a:ln>
@@ -5082,7 +5082,7 @@
               <a:t>	</a:t>
             </a:r>
             <a:r>
-              <a:rPr kumimoji="0" lang="en-US" altLang="en-US" sz="2800" b="0" i="0" u="none" strike="noStrike" cap="none" normalizeH="0" baseline="0">
+              <a:rPr kumimoji="0" lang="en-US" altLang="en-US" sz="2800" b="0" i="0" u="none" strike="noStrike" cap="none" normalizeH="0" baseline="0" dirty="0">
                 <a:ln>
                   <a:noFill/>
                 </a:ln>
@@ -5095,7 +5095,7 @@
               <a:t>for</a:t>
             </a:r>
             <a:r>
-              <a:rPr kumimoji="0" lang="en-US" altLang="en-US" sz="2800" b="0" i="0" u="none" strike="noStrike" cap="none" normalizeH="0" baseline="0">
+              <a:rPr kumimoji="0" lang="en-US" altLang="en-US" sz="2800" b="0" i="0" u="none" strike="noStrike" cap="none" normalizeH="0" baseline="0" dirty="0">
                 <a:ln>
                   <a:noFill/>
                 </a:ln>
@@ -5108,7 +5108,7 @@
               <a:t> </a:t>
             </a:r>
             <a:r>
-              <a:rPr kumimoji="0" lang="en-US" altLang="en-US" sz="2800" b="0" i="0" u="none" strike="noStrike" cap="none" normalizeH="0" baseline="0">
+              <a:rPr kumimoji="0" lang="en-US" altLang="en-US" sz="2800" b="0" i="0" u="none" strike="noStrike" cap="none" normalizeH="0" baseline="0" dirty="0">
                 <a:ln>
                   <a:noFill/>
                 </a:ln>
@@ -5121,7 +5121,7 @@
               <a:t>row</a:t>
             </a:r>
             <a:r>
-              <a:rPr kumimoji="0" lang="en-US" altLang="en-US" sz="2800" b="0" i="0" u="none" strike="noStrike" cap="none" normalizeH="0" baseline="0">
+              <a:rPr kumimoji="0" lang="en-US" altLang="en-US" sz="2800" b="0" i="0" u="none" strike="noStrike" cap="none" normalizeH="0" baseline="0" dirty="0">
                 <a:ln>
                   <a:noFill/>
                 </a:ln>
@@ -5134,7 +5134,7 @@
               <a:t> </a:t>
             </a:r>
             <a:r>
-              <a:rPr kumimoji="0" lang="en-US" altLang="en-US" sz="2800" b="0" i="0" u="none" strike="noStrike" cap="none" normalizeH="0" baseline="0">
+              <a:rPr kumimoji="0" lang="en-US" altLang="en-US" sz="2800" b="0" i="0" u="none" strike="noStrike" cap="none" normalizeH="0" baseline="0" dirty="0">
                 <a:ln>
                   <a:noFill/>
                 </a:ln>
@@ -5147,7 +5147,7 @@
               <a:t>in</a:t>
             </a:r>
             <a:r>
-              <a:rPr kumimoji="0" lang="en-US" altLang="en-US" sz="2800" b="0" i="0" u="none" strike="noStrike" cap="none" normalizeH="0" baseline="0">
+              <a:rPr kumimoji="0" lang="en-US" altLang="en-US" sz="2800" b="0" i="0" u="none" strike="noStrike" cap="none" normalizeH="0" baseline="0" dirty="0">
                 <a:ln>
                   <a:noFill/>
                 </a:ln>
@@ -5160,7 +5160,7 @@
               <a:t> </a:t>
             </a:r>
             <a:r>
-              <a:rPr kumimoji="0" lang="en-US" altLang="en-US" sz="2800" b="0" i="0" u="none" strike="noStrike" cap="none" normalizeH="0" baseline="0">
+              <a:rPr kumimoji="0" lang="en-US" altLang="en-US" sz="2800" b="0" i="0" u="none" strike="noStrike" cap="none" normalizeH="0" baseline="0" dirty="0">
                 <a:ln>
                   <a:noFill/>
                 </a:ln>
@@ -5173,7 +5173,7 @@
               <a:t>csv_reader</a:t>
             </a:r>
             <a:r>
-              <a:rPr kumimoji="0" lang="en-US" altLang="en-US" sz="2800" b="0" i="0" u="none" strike="noStrike" cap="none" normalizeH="0" baseline="0">
+              <a:rPr kumimoji="0" lang="en-US" altLang="en-US" sz="2800" b="0" i="0" u="none" strike="noStrike" cap="none" normalizeH="0" baseline="0" dirty="0">
                 <a:ln>
                   <a:noFill/>
                 </a:ln>
@@ -5186,7 +5186,7 @@
               <a:t>:</a:t>
             </a:r>
             <a:r>
-              <a:rPr kumimoji="0" lang="en-US" altLang="en-US" sz="2800" b="0" i="0" u="none" strike="noStrike" cap="none" normalizeH="0" baseline="0">
+              <a:rPr kumimoji="0" lang="en-US" altLang="en-US" sz="2800" b="0" i="0" u="none" strike="noStrike" cap="none" normalizeH="0" baseline="0" dirty="0">
                 <a:ln>
                   <a:noFill/>
                 </a:ln>
@@ -5217,7 +5217,7 @@
               <a:tabLst/>
             </a:pPr>
             <a:r>
-              <a:rPr lang="en-US" altLang="en-US" sz="2800">
+              <a:rPr lang="en-US" altLang="en-US" sz="2800" dirty="0">
                 <a:solidFill>
                   <a:srgbClr val="212529"/>
                 </a:solidFill>
@@ -5226,7 +5226,7 @@
               <a:t>		</a:t>
             </a:r>
             <a:r>
-              <a:rPr kumimoji="0" lang="en-US" altLang="en-US" sz="2800" b="0" i="0" u="none" strike="noStrike" cap="none" normalizeH="0" baseline="0">
+              <a:rPr kumimoji="0" lang="en-US" altLang="en-US" sz="2800" b="0" i="0" u="none" strike="noStrike" cap="none" normalizeH="0" baseline="0" dirty="0">
                 <a:ln>
                   <a:noFill/>
                 </a:ln>
@@ -5239,7 +5239,7 @@
               <a:t> print</a:t>
             </a:r>
             <a:r>
-              <a:rPr kumimoji="0" lang="en-US" altLang="en-US" sz="2800" b="0" i="0" u="none" strike="noStrike" cap="none" normalizeH="0" baseline="0">
+              <a:rPr kumimoji="0" lang="en-US" altLang="en-US" sz="2800" b="0" i="0" u="none" strike="noStrike" cap="none" normalizeH="0" baseline="0" dirty="0">
                 <a:ln>
                   <a:noFill/>
                 </a:ln>
@@ -5252,7 +5252,7 @@
               <a:t>(</a:t>
             </a:r>
             <a:r>
-              <a:rPr kumimoji="0" lang="en-US" altLang="en-US" sz="2800" b="0" i="0" u="none" strike="noStrike" cap="none" normalizeH="0" baseline="0">
+              <a:rPr kumimoji="0" lang="en-US" altLang="en-US" sz="2800" b="0" i="0" u="none" strike="noStrike" cap="none" normalizeH="0" baseline="0" dirty="0">
                 <a:ln>
                   <a:noFill/>
                 </a:ln>
@@ -5265,7 +5265,7 @@
               <a:t>f</a:t>
             </a:r>
             <a:r>
-              <a:rPr kumimoji="0" lang="en-US" altLang="en-US" sz="2800" b="0" i="0" u="none" strike="noStrike" cap="none" normalizeH="0" baseline="0">
+              <a:rPr kumimoji="0" lang="en-US" altLang="en-US" sz="2800" b="0" i="0" u="none" strike="noStrike" cap="none" normalizeH="0" baseline="0" dirty="0">
                 <a:ln>
                   <a:noFill/>
                 </a:ln>
@@ -5278,7 +5278,7 @@
               <a:t>'\t</a:t>
             </a:r>
             <a:r>
-              <a:rPr kumimoji="0" lang="en-US" altLang="en-US" sz="2800" b="0" i="0" u="none" strike="noStrike" cap="none" normalizeH="0" baseline="0">
+              <a:rPr kumimoji="0" lang="en-US" altLang="en-US" sz="2800" b="0" i="0" u="none" strike="noStrike" cap="none" normalizeH="0" baseline="0" dirty="0">
                 <a:ln>
                   <a:noFill/>
                 </a:ln>
@@ -5291,7 +5291,7 @@
               <a:t>{</a:t>
             </a:r>
             <a:r>
-              <a:rPr kumimoji="0" lang="en-US" altLang="en-US" sz="2800" b="0" i="0" u="none" strike="noStrike" cap="none" normalizeH="0" baseline="0">
+              <a:rPr kumimoji="0" lang="en-US" altLang="en-US" sz="2800" b="0" i="0" u="none" strike="noStrike" cap="none" normalizeH="0" baseline="0" dirty="0">
                 <a:ln>
                   <a:noFill/>
                 </a:ln>
@@ -5304,7 +5304,7 @@
               <a:t>row</a:t>
             </a:r>
             <a:r>
-              <a:rPr kumimoji="0" lang="en-US" altLang="en-US" sz="2800" b="0" i="0" u="none" strike="noStrike" cap="none" normalizeH="0" baseline="0">
+              <a:rPr kumimoji="0" lang="en-US" altLang="en-US" sz="2800" b="0" i="0" u="none" strike="noStrike" cap="none" normalizeH="0" baseline="0" dirty="0">
                 <a:ln>
                   <a:noFill/>
                 </a:ln>
@@ -5317,7 +5317,7 @@
               <a:t>[</a:t>
             </a:r>
             <a:r>
-              <a:rPr kumimoji="0" lang="en-US" altLang="en-US" sz="2800" b="0" i="0" u="none" strike="noStrike" cap="none" normalizeH="0" baseline="0">
+              <a:rPr kumimoji="0" lang="en-US" altLang="en-US" sz="2800" b="0" i="0" u="none" strike="noStrike" cap="none" normalizeH="0" baseline="0" dirty="0">
                 <a:ln>
                   <a:noFill/>
                 </a:ln>
@@ -5330,7 +5330,7 @@
               <a:t>"name"</a:t>
             </a:r>
             <a:r>
-              <a:rPr kumimoji="0" lang="en-US" altLang="en-US" sz="2800" b="0" i="0" u="none" strike="noStrike" cap="none" normalizeH="0" baseline="0">
+              <a:rPr kumimoji="0" lang="en-US" altLang="en-US" sz="2800" b="0" i="0" u="none" strike="noStrike" cap="none" normalizeH="0" baseline="0" dirty="0">
                 <a:ln>
                   <a:noFill/>
                 </a:ln>
@@ -5343,7 +5343,7 @@
               <a:t>]</a:t>
             </a:r>
             <a:r>
-              <a:rPr kumimoji="0" lang="en-US" altLang="en-US" sz="2800" b="0" i="0" u="none" strike="noStrike" cap="none" normalizeH="0" baseline="0">
+              <a:rPr kumimoji="0" lang="en-US" altLang="en-US" sz="2800" b="0" i="0" u="none" strike="noStrike" cap="none" normalizeH="0" baseline="0" dirty="0">
                 <a:ln>
                   <a:noFill/>
                 </a:ln>
@@ -5356,7 +5356,7 @@
               <a:t>} - {</a:t>
             </a:r>
             <a:r>
-              <a:rPr kumimoji="0" lang="en-US" altLang="en-US" sz="2800" b="0" i="0" u="none" strike="noStrike" cap="none" normalizeH="0" baseline="0">
+              <a:rPr kumimoji="0" lang="en-US" altLang="en-US" sz="2800" b="0" i="0" u="none" strike="noStrike" cap="none" normalizeH="0" baseline="0" dirty="0">
                 <a:ln>
                   <a:noFill/>
                 </a:ln>
@@ -5369,7 +5369,7 @@
               <a:t>row</a:t>
             </a:r>
             <a:r>
-              <a:rPr kumimoji="0" lang="en-US" altLang="en-US" sz="2800" b="0" i="0" u="none" strike="noStrike" cap="none" normalizeH="0" baseline="0">
+              <a:rPr kumimoji="0" lang="en-US" altLang="en-US" sz="2800" b="0" i="0" u="none" strike="noStrike" cap="none" normalizeH="0" baseline="0" dirty="0">
                 <a:ln>
                   <a:noFill/>
                 </a:ln>
@@ -5382,7 +5382,7 @@
               <a:t>[</a:t>
             </a:r>
             <a:r>
-              <a:rPr kumimoji="0" lang="en-US" altLang="en-US" sz="2800" b="0" i="0" u="none" strike="noStrike" cap="none" normalizeH="0" baseline="0">
+              <a:rPr kumimoji="0" lang="en-US" altLang="en-US" sz="2800" b="0" i="0" u="none" strike="noStrike" cap="none" normalizeH="0" baseline="0" dirty="0">
                 <a:ln>
                   <a:noFill/>
                 </a:ln>
@@ -5395,7 +5395,7 @@
               <a:t>“age"</a:t>
             </a:r>
             <a:r>
-              <a:rPr kumimoji="0" lang="en-US" altLang="en-US" sz="2800" b="0" i="0" u="none" strike="noStrike" cap="none" normalizeH="0" baseline="0">
+              <a:rPr kumimoji="0" lang="en-US" altLang="en-US" sz="2800" b="0" i="0" u="none" strike="noStrike" cap="none" normalizeH="0" baseline="0" dirty="0">
                 <a:ln>
                   <a:noFill/>
                 </a:ln>
@@ -5408,7 +5408,7 @@
               <a:t>]</a:t>
             </a:r>
             <a:r>
-              <a:rPr kumimoji="0" lang="en-US" altLang="en-US" sz="2800" b="0" i="0" u="none" strike="noStrike" cap="none" normalizeH="0" baseline="0">
+              <a:rPr kumimoji="0" lang="en-US" altLang="en-US" sz="2800" b="0" i="0" u="none" strike="noStrike" cap="none" normalizeH="0" baseline="0" dirty="0">
                 <a:ln>
                   <a:noFill/>
                 </a:ln>
@@ -5421,7 +5421,7 @@
               <a:t>}</a:t>
             </a:r>
             <a:r>
-              <a:rPr kumimoji="0" lang="en-US" altLang="en-US" sz="2800" b="0" i="0" u="none" strike="noStrike" cap="none" normalizeH="0" baseline="0">
+              <a:rPr kumimoji="0" lang="en-US" altLang="en-US" sz="2800" b="0" i="0" u="none" strike="noStrike" cap="none" normalizeH="0" baseline="0" dirty="0">
                 <a:ln>
                   <a:noFill/>
                 </a:ln>
@@ -5434,7 +5434,7 @@
               <a:t>.'</a:t>
             </a:r>
             <a:r>
-              <a:rPr kumimoji="0" lang="en-US" altLang="en-US" sz="2800" b="0" i="0" u="none" strike="noStrike" cap="none" normalizeH="0" baseline="0">
+              <a:rPr kumimoji="0" lang="en-US" altLang="en-US" sz="2800" b="0" i="0" u="none" strike="noStrike" cap="none" normalizeH="0" baseline="0" dirty="0">
                 <a:ln>
                   <a:noFill/>
                 </a:ln>
@@ -5446,7 +5446,7 @@
               </a:rPr>
               <a:t>)</a:t>
             </a:r>
-            <a:endParaRPr kumimoji="0" lang="en-US" altLang="en-US" sz="2800" b="0" i="0" u="none" strike="noStrike" cap="none" normalizeH="0" baseline="0">
+            <a:endParaRPr kumimoji="0" lang="en-US" altLang="en-US" sz="2800" b="0" i="0" u="none" strike="noStrike" cap="none" normalizeH="0" baseline="0" dirty="0">
               <a:ln>
                 <a:noFill/>
               </a:ln>
@@ -5603,7 +5603,7 @@
               <a:tabLst/>
             </a:pPr>
             <a:r>
-              <a:rPr kumimoji="0" lang="en-US" altLang="en-US" sz="2200" b="0" i="0" u="none" strike="noStrike" cap="none" normalizeH="0" baseline="0">
+              <a:rPr kumimoji="0" lang="en-US" altLang="en-US" sz="2200" b="0" i="0" u="none" strike="noStrike" cap="none" normalizeH="0" baseline="0" dirty="0">
                 <a:ln>
                   <a:noFill/>
                 </a:ln>
@@ -5616,7 +5616,7 @@
               <a:t>import</a:t>
             </a:r>
             <a:r>
-              <a:rPr kumimoji="0" lang="en-US" altLang="en-US" sz="2200" b="0" i="0" u="none" strike="noStrike" cap="none" normalizeH="0" baseline="0">
+              <a:rPr kumimoji="0" lang="en-US" altLang="en-US" sz="2200" b="0" i="0" u="none" strike="noStrike" cap="none" normalizeH="0" baseline="0" dirty="0">
                 <a:ln>
                   <a:noFill/>
                 </a:ln>
@@ -5629,7 +5629,7 @@
               <a:t> </a:t>
             </a:r>
             <a:r>
-              <a:rPr kumimoji="0" lang="en-US" altLang="en-US" sz="2200" b="0" i="0" u="none" strike="noStrike" cap="none" normalizeH="0" baseline="0">
+              <a:rPr kumimoji="0" lang="en-US" altLang="en-US" sz="2200" b="0" i="0" u="none" strike="noStrike" cap="none" normalizeH="0" baseline="0" dirty="0">
                 <a:ln>
                   <a:noFill/>
                 </a:ln>
@@ -5641,7 +5641,7 @@
               </a:rPr>
               <a:t>csv</a:t>
             </a:r>
-            <a:endParaRPr lang="en-US" altLang="en-US" sz="2200">
+            <a:endParaRPr lang="en-US" altLang="en-US" sz="2200" dirty="0">
               <a:solidFill>
                 <a:srgbClr val="212529"/>
               </a:solidFill>
@@ -5666,7 +5666,7 @@
               <a:tabLst/>
             </a:pPr>
             <a:r>
-              <a:rPr kumimoji="0" lang="en-US" altLang="en-US" sz="2200" b="0" i="0" u="none" strike="noStrike" cap="none" normalizeH="0" baseline="0">
+              <a:rPr kumimoji="0" lang="en-US" altLang="en-US" sz="2200" b="0" i="0" u="none" strike="noStrike" cap="none" normalizeH="0" baseline="0" dirty="0">
                 <a:ln>
                   <a:noFill/>
                 </a:ln>
@@ -5679,7 +5679,7 @@
               <a:t>with</a:t>
             </a:r>
             <a:r>
-              <a:rPr kumimoji="0" lang="en-US" altLang="en-US" sz="2200" b="0" i="0" u="none" strike="noStrike" cap="none" normalizeH="0" baseline="0">
+              <a:rPr kumimoji="0" lang="en-US" altLang="en-US" sz="2200" b="0" i="0" u="none" strike="noStrike" cap="none" normalizeH="0" baseline="0" dirty="0">
                 <a:ln>
                   <a:noFill/>
                 </a:ln>
@@ -5692,7 +5692,7 @@
               <a:t> </a:t>
             </a:r>
             <a:r>
-              <a:rPr kumimoji="0" lang="en-US" altLang="en-US" sz="2200" b="0" i="0" u="none" strike="noStrike" cap="none" normalizeH="0" baseline="0">
+              <a:rPr kumimoji="0" lang="en-US" altLang="en-US" sz="2200" b="0" i="0" u="none" strike="noStrike" cap="none" normalizeH="0" baseline="0" dirty="0">
                 <a:ln>
                   <a:noFill/>
                 </a:ln>
@@ -5705,7 +5705,7 @@
               <a:t>(</a:t>
             </a:r>
             <a:r>
-              <a:rPr kumimoji="0" lang="en-US" altLang="en-US" sz="2200" b="0" i="0" u="none" strike="noStrike" cap="none" normalizeH="0" baseline="0">
+              <a:rPr kumimoji="0" lang="en-US" altLang="en-US" sz="2200" b="0" i="0" u="none" strike="noStrike" cap="none" normalizeH="0" baseline="0" dirty="0">
                 <a:ln>
                   <a:noFill/>
                 </a:ln>
@@ -5718,7 +5718,7 @@
               <a:t>'employee_file.csv'</a:t>
             </a:r>
             <a:r>
-              <a:rPr kumimoji="0" lang="en-US" altLang="en-US" sz="2200" b="0" i="0" u="none" strike="noStrike" cap="none" normalizeH="0" baseline="0">
+              <a:rPr kumimoji="0" lang="en-US" altLang="en-US" sz="2200" b="0" i="0" u="none" strike="noStrike" cap="none" normalizeH="0" baseline="0" dirty="0">
                 <a:ln>
                   <a:noFill/>
                 </a:ln>
@@ -5731,7 +5731,7 @@
               <a:t>,</a:t>
             </a:r>
             <a:r>
-              <a:rPr kumimoji="0" lang="en-US" altLang="en-US" sz="2200" b="0" i="0" u="none" strike="noStrike" cap="none" normalizeH="0" baseline="0">
+              <a:rPr kumimoji="0" lang="en-US" altLang="en-US" sz="2200" b="0" i="0" u="none" strike="noStrike" cap="none" normalizeH="0" baseline="0" dirty="0">
                 <a:ln>
                   <a:noFill/>
                 </a:ln>
@@ -5744,7 +5744,7 @@
               <a:t> </a:t>
             </a:r>
             <a:r>
-              <a:rPr kumimoji="0" lang="en-US" altLang="en-US" sz="2200" b="0" i="0" u="none" strike="noStrike" cap="none" normalizeH="0" baseline="0">
+              <a:rPr kumimoji="0" lang="en-US" altLang="en-US" sz="2200" b="0" i="0" u="none" strike="noStrike" cap="none" normalizeH="0" baseline="0" dirty="0">
                 <a:ln>
                   <a:noFill/>
                 </a:ln>
@@ -5757,7 +5757,7 @@
               <a:t>mode</a:t>
             </a:r>
             <a:r>
-              <a:rPr kumimoji="0" lang="en-US" altLang="en-US" sz="2200" b="0" i="0" u="none" strike="noStrike" cap="none" normalizeH="0" baseline="0">
+              <a:rPr kumimoji="0" lang="en-US" altLang="en-US" sz="2200" b="0" i="0" u="none" strike="noStrike" cap="none" normalizeH="0" baseline="0" dirty="0">
                 <a:ln>
                   <a:noFill/>
                 </a:ln>
@@ -5770,7 +5770,7 @@
               <a:t>=</a:t>
             </a:r>
             <a:r>
-              <a:rPr kumimoji="0" lang="en-US" altLang="en-US" sz="2200" b="0" i="0" u="none" strike="noStrike" cap="none" normalizeH="0" baseline="0">
+              <a:rPr kumimoji="0" lang="en-US" altLang="en-US" sz="2200" b="0" i="0" u="none" strike="noStrike" cap="none" normalizeH="0" baseline="0" dirty="0">
                 <a:ln>
                   <a:noFill/>
                 </a:ln>
@@ -5783,7 +5783,7 @@
               <a:t>'w'</a:t>
             </a:r>
             <a:r>
-              <a:rPr kumimoji="0" lang="en-US" altLang="en-US" sz="2200" b="0" i="0" u="none" strike="noStrike" cap="none" normalizeH="0" baseline="0">
+              <a:rPr kumimoji="0" lang="en-US" altLang="en-US" sz="2200" b="0" i="0" u="none" strike="noStrike" cap="none" normalizeH="0" baseline="0" dirty="0">
                 <a:ln>
                   <a:noFill/>
                 </a:ln>
@@ -5796,7 +5796,7 @@
               <a:t>)</a:t>
             </a:r>
             <a:r>
-              <a:rPr kumimoji="0" lang="en-US" altLang="en-US" sz="2200" b="0" i="0" u="none" strike="noStrike" cap="none" normalizeH="0" baseline="0">
+              <a:rPr kumimoji="0" lang="en-US" altLang="en-US" sz="2200" b="0" i="0" u="none" strike="noStrike" cap="none" normalizeH="0" baseline="0" dirty="0">
                 <a:ln>
                   <a:noFill/>
                 </a:ln>
@@ -5809,7 +5809,7 @@
               <a:t> </a:t>
             </a:r>
             <a:r>
-              <a:rPr kumimoji="0" lang="en-US" altLang="en-US" sz="2200" b="0" i="0" u="none" strike="noStrike" cap="none" normalizeH="0" baseline="0">
+              <a:rPr kumimoji="0" lang="en-US" altLang="en-US" sz="2200" b="0" i="0" u="none" strike="noStrike" cap="none" normalizeH="0" baseline="0" dirty="0">
                 <a:ln>
                   <a:noFill/>
                 </a:ln>
@@ -5822,7 +5822,7 @@
               <a:t>as</a:t>
             </a:r>
             <a:r>
-              <a:rPr kumimoji="0" lang="en-US" altLang="en-US" sz="2200" b="0" i="0" u="none" strike="noStrike" cap="none" normalizeH="0" baseline="0">
+              <a:rPr kumimoji="0" lang="en-US" altLang="en-US" sz="2200" b="0" i="0" u="none" strike="noStrike" cap="none" normalizeH="0" baseline="0" dirty="0">
                 <a:ln>
                   <a:noFill/>
                 </a:ln>
@@ -5835,7 +5835,7 @@
               <a:t> </a:t>
             </a:r>
             <a:r>
-              <a:rPr kumimoji="0" lang="en-US" altLang="en-US" sz="2200" b="0" i="0" u="none" strike="noStrike" cap="none" normalizeH="0" baseline="0">
+              <a:rPr kumimoji="0" lang="en-US" altLang="en-US" sz="2200" b="0" i="0" u="none" strike="noStrike" cap="none" normalizeH="0" baseline="0" dirty="0">
                 <a:ln>
                   <a:noFill/>
                 </a:ln>
@@ -5848,7 +5848,7 @@
               <a:t>employee_file</a:t>
             </a:r>
             <a:r>
-              <a:rPr kumimoji="0" lang="en-US" altLang="en-US" sz="2200" b="0" i="0" u="none" strike="noStrike" cap="none" normalizeH="0" baseline="0">
+              <a:rPr kumimoji="0" lang="en-US" altLang="en-US" sz="2200" b="0" i="0" u="none" strike="noStrike" cap="none" normalizeH="0" baseline="0" dirty="0">
                 <a:ln>
                   <a:noFill/>
                 </a:ln>
@@ -5860,7 +5860,7 @@
               </a:rPr>
               <a:t>:</a:t>
             </a:r>
-            <a:endParaRPr lang="en-US" altLang="en-US" sz="2200">
+            <a:endParaRPr lang="en-US" altLang="en-US" sz="2200" dirty="0">
               <a:solidFill>
                 <a:srgbClr val="212529"/>
               </a:solidFill>
@@ -5885,7 +5885,7 @@
               <a:tabLst/>
             </a:pPr>
             <a:r>
-              <a:rPr kumimoji="0" lang="en-US" altLang="en-US" sz="2200" b="0" i="0" u="none" strike="noStrike" cap="none" normalizeH="0" baseline="0">
+              <a:rPr kumimoji="0" lang="en-US" altLang="en-US" sz="2200" b="0" i="0" u="none" strike="noStrike" cap="none" normalizeH="0" baseline="0" dirty="0">
                 <a:ln>
                   <a:noFill/>
                 </a:ln>
@@ -5898,7 +5898,7 @@
               <a:t>	</a:t>
             </a:r>
             <a:r>
-              <a:rPr kumimoji="0" lang="en-US" altLang="en-US" sz="2200" b="0" i="0" u="none" strike="noStrike" cap="none" normalizeH="0" baseline="0">
+              <a:rPr kumimoji="0" lang="en-US" altLang="en-US" sz="2200" b="0" i="0" u="none" strike="noStrike" cap="none" normalizeH="0" baseline="0" dirty="0">
                 <a:ln>
                   <a:noFill/>
                 </a:ln>
@@ -5911,7 +5911,7 @@
               <a:t>employee_writer</a:t>
             </a:r>
             <a:r>
-              <a:rPr kumimoji="0" lang="en-US" altLang="en-US" sz="2200" b="0" i="0" u="none" strike="noStrike" cap="none" normalizeH="0" baseline="0">
+              <a:rPr kumimoji="0" lang="en-US" altLang="en-US" sz="2200" b="0" i="0" u="none" strike="noStrike" cap="none" normalizeH="0" baseline="0" dirty="0">
                 <a:ln>
                   <a:noFill/>
                 </a:ln>
@@ -5924,7 +5924,7 @@
               <a:t> </a:t>
             </a:r>
             <a:r>
-              <a:rPr kumimoji="0" lang="en-US" altLang="en-US" sz="2200" b="0" i="0" u="none" strike="noStrike" cap="none" normalizeH="0" baseline="0">
+              <a:rPr kumimoji="0" lang="en-US" altLang="en-US" sz="2200" b="0" i="0" u="none" strike="noStrike" cap="none" normalizeH="0" baseline="0" dirty="0">
                 <a:ln>
                   <a:noFill/>
                 </a:ln>
@@ -5937,7 +5937,7 @@
               <a:t>=</a:t>
             </a:r>
             <a:r>
-              <a:rPr kumimoji="0" lang="en-US" altLang="en-US" sz="2200" b="0" i="0" u="none" strike="noStrike" cap="none" normalizeH="0" baseline="0">
+              <a:rPr kumimoji="0" lang="en-US" altLang="en-US" sz="2200" b="0" i="0" u="none" strike="noStrike" cap="none" normalizeH="0" baseline="0" dirty="0">
                 <a:ln>
                   <a:noFill/>
                 </a:ln>
@@ -5950,7 +5950,7 @@
               <a:t> </a:t>
             </a:r>
             <a:r>
-              <a:rPr kumimoji="0" lang="en-US" altLang="en-US" sz="2200" b="0" i="0" u="none" strike="noStrike" cap="none" normalizeH="0" baseline="0">
+              <a:rPr kumimoji="0" lang="en-US" altLang="en-US" sz="2200" b="0" i="0" u="none" strike="noStrike" cap="none" normalizeH="0" baseline="0" dirty="0">
                 <a:ln>
                   <a:noFill/>
                 </a:ln>
@@ -5963,7 +5963,7 @@
               <a:t>csv</a:t>
             </a:r>
             <a:r>
-              <a:rPr kumimoji="0" lang="en-US" altLang="en-US" sz="2200" b="0" i="0" u="none" strike="noStrike" cap="none" normalizeH="0" baseline="0">
+              <a:rPr kumimoji="0" lang="en-US" altLang="en-US" sz="2200" b="0" i="0" u="none" strike="noStrike" cap="none" normalizeH="0" baseline="0" dirty="0">
                 <a:ln>
                   <a:noFill/>
                 </a:ln>
@@ -5976,7 +5976,7 @@
               <a:t>.</a:t>
             </a:r>
             <a:r>
-              <a:rPr kumimoji="0" lang="en-US" altLang="en-US" sz="2200" b="0" i="0" u="none" strike="noStrike" cap="none" normalizeH="0" baseline="0">
+              <a:rPr kumimoji="0" lang="en-US" altLang="en-US" sz="2200" b="0" i="0" u="none" strike="noStrike" cap="none" normalizeH="0" baseline="0" dirty="0">
                 <a:ln>
                   <a:noFill/>
                 </a:ln>
@@ -5989,7 +5989,7 @@
               <a:t>writer</a:t>
             </a:r>
             <a:r>
-              <a:rPr kumimoji="0" lang="en-US" altLang="en-US" sz="2200" b="0" i="0" u="none" strike="noStrike" cap="none" normalizeH="0" baseline="0">
+              <a:rPr kumimoji="0" lang="en-US" altLang="en-US" sz="2200" b="0" i="0" u="none" strike="noStrike" cap="none" normalizeH="0" baseline="0" dirty="0">
                 <a:ln>
                   <a:noFill/>
                 </a:ln>
@@ -6002,7 +6002,7 @@
               <a:t>(</a:t>
             </a:r>
             <a:r>
-              <a:rPr kumimoji="0" lang="en-US" altLang="en-US" sz="2200" b="0" i="0" u="none" strike="noStrike" cap="none" normalizeH="0" baseline="0">
+              <a:rPr kumimoji="0" lang="en-US" altLang="en-US" sz="2200" b="0" i="0" u="none" strike="noStrike" cap="none" normalizeH="0" baseline="0" dirty="0">
                 <a:ln>
                   <a:noFill/>
                 </a:ln>
@@ -6015,7 +6015,7 @@
               <a:t>employee_file</a:t>
             </a:r>
             <a:r>
-              <a:rPr kumimoji="0" lang="en-US" altLang="en-US" sz="2200" b="0" i="0" u="none" strike="noStrike" cap="none" normalizeH="0" baseline="0">
+              <a:rPr kumimoji="0" lang="en-US" altLang="en-US" sz="2200" b="0" i="0" u="none" strike="noStrike" cap="none" normalizeH="0" baseline="0" dirty="0">
                 <a:ln>
                   <a:noFill/>
                 </a:ln>
@@ -6028,7 +6028,7 @@
               <a:t>,</a:t>
             </a:r>
             <a:r>
-              <a:rPr kumimoji="0" lang="en-US" altLang="en-US" sz="2200" b="0" i="0" u="none" strike="noStrike" cap="none" normalizeH="0" baseline="0">
+              <a:rPr kumimoji="0" lang="en-US" altLang="en-US" sz="2200" b="0" i="0" u="none" strike="noStrike" cap="none" normalizeH="0" baseline="0" dirty="0">
                 <a:ln>
                   <a:noFill/>
                 </a:ln>
@@ -6041,7 +6041,7 @@
               <a:t> </a:t>
             </a:r>
             <a:r>
-              <a:rPr kumimoji="0" lang="en-US" altLang="en-US" sz="2200" b="0" i="0" u="none" strike="noStrike" cap="none" normalizeH="0" baseline="0">
+              <a:rPr kumimoji="0" lang="en-US" altLang="en-US" sz="2200" b="0" i="0" u="none" strike="noStrike" cap="none" normalizeH="0" baseline="0" dirty="0">
                 <a:ln>
                   <a:noFill/>
                 </a:ln>
@@ -6054,7 +6054,7 @@
               <a:t>delimiter</a:t>
             </a:r>
             <a:r>
-              <a:rPr kumimoji="0" lang="en-US" altLang="en-US" sz="2200" b="0" i="0" u="none" strike="noStrike" cap="none" normalizeH="0" baseline="0">
+              <a:rPr kumimoji="0" lang="en-US" altLang="en-US" sz="2200" b="0" i="0" u="none" strike="noStrike" cap="none" normalizeH="0" baseline="0" dirty="0">
                 <a:ln>
                   <a:noFill/>
                 </a:ln>
@@ -6067,7 +6067,7 @@
               <a:t>=</a:t>
             </a:r>
             <a:r>
-              <a:rPr kumimoji="0" lang="en-US" altLang="en-US" sz="2200" b="0" i="0" u="none" strike="noStrike" cap="none" normalizeH="0" baseline="0">
+              <a:rPr kumimoji="0" lang="en-US" altLang="en-US" sz="2200" b="0" i="0" u="none" strike="noStrike" cap="none" normalizeH="0" baseline="0" dirty="0">
                 <a:ln>
                   <a:noFill/>
                 </a:ln>
@@ -6080,7 +6080,7 @@
               <a:t>',’</a:t>
             </a:r>
             <a:r>
-              <a:rPr kumimoji="0" lang="en-US" altLang="en-US" sz="2200" b="0" i="0" u="none" strike="noStrike" cap="none" normalizeH="0" baseline="0">
+              <a:rPr kumimoji="0" lang="en-US" altLang="en-US" sz="2200" b="0" i="0" u="none" strike="noStrike" cap="none" normalizeH="0" baseline="0" dirty="0">
                 <a:ln>
                   <a:noFill/>
                 </a:ln>
@@ -6093,7 +6093,7 @@
               <a:t>,</a:t>
             </a:r>
             <a:r>
-              <a:rPr kumimoji="0" lang="en-US" altLang="en-US" sz="2200" b="0" i="0" u="none" strike="noStrike" cap="none" normalizeH="0" baseline="0">
+              <a:rPr kumimoji="0" lang="en-US" altLang="en-US" sz="2200" b="0" i="0" u="none" strike="noStrike" cap="none" normalizeH="0" baseline="0" dirty="0">
                 <a:ln>
                   <a:noFill/>
                 </a:ln>
@@ -6124,7 +6124,7 @@
               <a:tabLst/>
             </a:pPr>
             <a:r>
-              <a:rPr lang="en-US" altLang="en-US" sz="2200">
+              <a:rPr lang="en-US" altLang="en-US" sz="2200" dirty="0">
                 <a:solidFill>
                   <a:srgbClr val="212529"/>
                 </a:solidFill>
@@ -6133,7 +6133,7 @@
               <a:t>			</a:t>
             </a:r>
             <a:r>
-              <a:rPr kumimoji="0" lang="en-US" altLang="en-US" sz="2200" b="0" i="0" u="none" strike="noStrike" cap="none" normalizeH="0" baseline="0">
+              <a:rPr kumimoji="0" lang="en-US" altLang="en-US" sz="2200" b="0" i="0" u="none" strike="noStrike" cap="none" normalizeH="0" baseline="0" dirty="0">
                 <a:ln>
                   <a:noFill/>
                 </a:ln>
@@ -6146,7 +6146,7 @@
               <a:t>quotechar</a:t>
             </a:r>
             <a:r>
-              <a:rPr kumimoji="0" lang="en-US" altLang="en-US" sz="2200" b="0" i="0" u="none" strike="noStrike" cap="none" normalizeH="0" baseline="0">
+              <a:rPr kumimoji="0" lang="en-US" altLang="en-US" sz="2200" b="0" i="0" u="none" strike="noStrike" cap="none" normalizeH="0" baseline="0" dirty="0">
                 <a:ln>
                   <a:noFill/>
                 </a:ln>
@@ -6159,7 +6159,7 @@
               <a:t>=</a:t>
             </a:r>
             <a:r>
-              <a:rPr kumimoji="0" lang="en-US" altLang="en-US" sz="2200" b="0" i="0" u="none" strike="noStrike" cap="none" normalizeH="0" baseline="0">
+              <a:rPr kumimoji="0" lang="en-US" altLang="en-US" sz="2200" b="0" i="0" u="none" strike="noStrike" cap="none" normalizeH="0" baseline="0" dirty="0">
                 <a:ln>
                   <a:noFill/>
                 </a:ln>
@@ -6172,7 +6172,7 @@
               <a:t>'"'</a:t>
             </a:r>
             <a:r>
-              <a:rPr kumimoji="0" lang="en-US" altLang="en-US" sz="2200" b="0" i="0" u="none" strike="noStrike" cap="none" normalizeH="0" baseline="0">
+              <a:rPr kumimoji="0" lang="en-US" altLang="en-US" sz="2200" b="0" i="0" u="none" strike="noStrike" cap="none" normalizeH="0" baseline="0" dirty="0">
                 <a:ln>
                   <a:noFill/>
                 </a:ln>
@@ -6185,7 +6185,7 @@
               <a:t>,</a:t>
             </a:r>
             <a:r>
-              <a:rPr kumimoji="0" lang="en-US" altLang="en-US" sz="2200" b="0" i="0" u="none" strike="noStrike" cap="none" normalizeH="0" baseline="0">
+              <a:rPr kumimoji="0" lang="en-US" altLang="en-US" sz="2200" b="0" i="0" u="none" strike="noStrike" cap="none" normalizeH="0" baseline="0" dirty="0">
                 <a:ln>
                   <a:noFill/>
                 </a:ln>
@@ -6198,7 +6198,7 @@
               <a:t> </a:t>
             </a:r>
             <a:r>
-              <a:rPr kumimoji="0" lang="en-US" altLang="en-US" sz="2200" b="0" i="0" u="none" strike="noStrike" cap="none" normalizeH="0" baseline="0">
+              <a:rPr kumimoji="0" lang="en-US" altLang="en-US" sz="2200" b="0" i="0" u="none" strike="noStrike" cap="none" normalizeH="0" baseline="0" dirty="0">
                 <a:ln>
                   <a:noFill/>
                 </a:ln>
@@ -6211,7 +6211,7 @@
               <a:t>quoting</a:t>
             </a:r>
             <a:r>
-              <a:rPr kumimoji="0" lang="en-US" altLang="en-US" sz="2200" b="0" i="0" u="none" strike="noStrike" cap="none" normalizeH="0" baseline="0">
+              <a:rPr kumimoji="0" lang="en-US" altLang="en-US" sz="2200" b="0" i="0" u="none" strike="noStrike" cap="none" normalizeH="0" baseline="0" dirty="0">
                 <a:ln>
                   <a:noFill/>
                 </a:ln>
@@ -6224,7 +6224,7 @@
               <a:t>=</a:t>
             </a:r>
             <a:r>
-              <a:rPr kumimoji="0" lang="en-US" altLang="en-US" sz="2200" b="0" i="0" u="none" strike="noStrike" cap="none" normalizeH="0" baseline="0">
+              <a:rPr kumimoji="0" lang="en-US" altLang="en-US" sz="2200" b="0" i="0" u="none" strike="noStrike" cap="none" normalizeH="0" baseline="0" dirty="0">
                 <a:ln>
                   <a:noFill/>
                 </a:ln>
@@ -6237,7 +6237,7 @@
               <a:t>csv</a:t>
             </a:r>
             <a:r>
-              <a:rPr kumimoji="0" lang="en-US" altLang="en-US" sz="2200" b="0" i="0" u="none" strike="noStrike" cap="none" normalizeH="0" baseline="0">
+              <a:rPr kumimoji="0" lang="en-US" altLang="en-US" sz="2200" b="0" i="0" u="none" strike="noStrike" cap="none" normalizeH="0" baseline="0" dirty="0">
                 <a:ln>
                   <a:noFill/>
                 </a:ln>
@@ -6250,7 +6250,7 @@
               <a:t>.</a:t>
             </a:r>
             <a:r>
-              <a:rPr kumimoji="0" lang="en-US" altLang="en-US" sz="2200" b="0" i="0" u="none" strike="noStrike" cap="none" normalizeH="0" baseline="0">
+              <a:rPr kumimoji="0" lang="en-US" altLang="en-US" sz="2200" b="0" i="0" u="none" strike="noStrike" cap="none" normalizeH="0" baseline="0" dirty="0">
                 <a:ln>
                   <a:noFill/>
                 </a:ln>
@@ -6263,7 +6263,7 @@
               <a:t>QUOTE_MINIMAL</a:t>
             </a:r>
             <a:r>
-              <a:rPr kumimoji="0" lang="en-US" altLang="en-US" sz="2200" b="0" i="0" u="none" strike="noStrike" cap="none" normalizeH="0" baseline="0">
+              <a:rPr kumimoji="0" lang="en-US" altLang="en-US" sz="2200" b="0" i="0" u="none" strike="noStrike" cap="none" normalizeH="0" baseline="0" dirty="0">
                 <a:ln>
                   <a:noFill/>
                 </a:ln>
@@ -6275,7 +6275,7 @@
               </a:rPr>
               <a:t>)</a:t>
             </a:r>
-            <a:endParaRPr lang="en-US" altLang="en-US" sz="2200">
+            <a:endParaRPr lang="en-US" altLang="en-US" sz="2200" dirty="0">
               <a:solidFill>
                 <a:srgbClr val="212529"/>
               </a:solidFill>
@@ -6300,7 +6300,7 @@
               <a:tabLst/>
             </a:pPr>
             <a:r>
-              <a:rPr kumimoji="0" lang="en-US" altLang="en-US" sz="2200" b="0" i="0" u="none" strike="noStrike" cap="none" normalizeH="0" baseline="0">
+              <a:rPr kumimoji="0" lang="en-US" altLang="en-US" sz="2200" b="0" i="0" u="none" strike="noStrike" cap="none" normalizeH="0" baseline="0" dirty="0">
                 <a:ln>
                   <a:noFill/>
                 </a:ln>
@@ -6331,7 +6331,7 @@
               <a:tabLst/>
             </a:pPr>
             <a:r>
-              <a:rPr lang="en-US" altLang="en-US" sz="2200">
+              <a:rPr lang="en-US" altLang="en-US" sz="2200" dirty="0">
                 <a:solidFill>
                   <a:srgbClr val="212529"/>
                 </a:solidFill>
@@ -6340,7 +6340,7 @@
               <a:t>	</a:t>
             </a:r>
             <a:r>
-              <a:rPr kumimoji="0" lang="en-US" altLang="en-US" sz="2200" b="0" i="0" u="none" strike="noStrike" cap="none" normalizeH="0" baseline="0">
+              <a:rPr kumimoji="0" lang="en-US" altLang="en-US" sz="2200" b="0" i="0" u="none" strike="noStrike" cap="none" normalizeH="0" baseline="0" dirty="0">
                 <a:ln>
                   <a:noFill/>
                 </a:ln>
@@ -6353,7 +6353,7 @@
               <a:t>employee_writer</a:t>
             </a:r>
             <a:r>
-              <a:rPr kumimoji="0" lang="en-US" altLang="en-US" sz="2200" b="0" i="0" u="none" strike="noStrike" cap="none" normalizeH="0" baseline="0">
+              <a:rPr kumimoji="0" lang="en-US" altLang="en-US" sz="2200" b="0" i="0" u="none" strike="noStrike" cap="none" normalizeH="0" baseline="0" dirty="0">
                 <a:ln>
                   <a:noFill/>
                 </a:ln>
@@ -6366,7 +6366,7 @@
               <a:t>.</a:t>
             </a:r>
             <a:r>
-              <a:rPr kumimoji="0" lang="en-US" altLang="en-US" sz="2200" b="0" i="0" u="none" strike="noStrike" cap="none" normalizeH="0" baseline="0">
+              <a:rPr kumimoji="0" lang="en-US" altLang="en-US" sz="2200" b="0" i="0" u="none" strike="noStrike" cap="none" normalizeH="0" baseline="0" dirty="0">
                 <a:ln>
                   <a:noFill/>
                 </a:ln>
@@ -6379,7 +6379,7 @@
               <a:t>writerow</a:t>
             </a:r>
             <a:r>
-              <a:rPr kumimoji="0" lang="en-US" altLang="en-US" sz="2200" b="0" i="0" u="none" strike="noStrike" cap="none" normalizeH="0" baseline="0">
+              <a:rPr kumimoji="0" lang="en-US" altLang="en-US" sz="2200" b="0" i="0" u="none" strike="noStrike" cap="none" normalizeH="0" baseline="0" dirty="0">
                 <a:ln>
                   <a:noFill/>
                 </a:ln>
@@ -6392,7 +6392,7 @@
               <a:t>([</a:t>
             </a:r>
             <a:r>
-              <a:rPr kumimoji="0" lang="en-US" altLang="en-US" sz="2200" b="0" i="0" u="none" strike="noStrike" cap="none" normalizeH="0" baseline="0">
+              <a:rPr kumimoji="0" lang="en-US" altLang="en-US" sz="2200" b="0" i="0" u="none" strike="noStrike" cap="none" normalizeH="0" baseline="0" dirty="0">
                 <a:ln>
                   <a:noFill/>
                 </a:ln>
@@ -6405,7 +6405,7 @@
               <a:t>'John Smith'</a:t>
             </a:r>
             <a:r>
-              <a:rPr kumimoji="0" lang="en-US" altLang="en-US" sz="2200" b="0" i="0" u="none" strike="noStrike" cap="none" normalizeH="0" baseline="0">
+              <a:rPr kumimoji="0" lang="en-US" altLang="en-US" sz="2200" b="0" i="0" u="none" strike="noStrike" cap="none" normalizeH="0" baseline="0" dirty="0">
                 <a:ln>
                   <a:noFill/>
                 </a:ln>
@@ -6418,7 +6418,7 @@
               <a:t>,</a:t>
             </a:r>
             <a:r>
-              <a:rPr kumimoji="0" lang="en-US" altLang="en-US" sz="2200" b="0" i="0" u="none" strike="noStrike" cap="none" normalizeH="0" baseline="0">
+              <a:rPr kumimoji="0" lang="en-US" altLang="en-US" sz="2200" b="0" i="0" u="none" strike="noStrike" cap="none" normalizeH="0" baseline="0" dirty="0">
                 <a:ln>
                   <a:noFill/>
                 </a:ln>
@@ -6431,7 +6431,7 @@
               <a:t> </a:t>
             </a:r>
             <a:r>
-              <a:rPr kumimoji="0" lang="en-US" altLang="en-US" sz="2200" b="0" i="0" u="none" strike="noStrike" cap="none" normalizeH="0" baseline="0">
+              <a:rPr kumimoji="0" lang="en-US" altLang="en-US" sz="2200" b="0" i="0" u="none" strike="noStrike" cap="none" normalizeH="0" baseline="0" dirty="0">
                 <a:ln>
                   <a:noFill/>
                 </a:ln>
@@ -6444,7 +6444,7 @@
               <a:t>'Accounting'</a:t>
             </a:r>
             <a:r>
-              <a:rPr kumimoji="0" lang="en-US" altLang="en-US" sz="2200" b="0" i="0" u="none" strike="noStrike" cap="none" normalizeH="0" baseline="0">
+              <a:rPr kumimoji="0" lang="en-US" altLang="en-US" sz="2200" b="0" i="0" u="none" strike="noStrike" cap="none" normalizeH="0" baseline="0" dirty="0">
                 <a:ln>
                   <a:noFill/>
                 </a:ln>
@@ -6457,7 +6457,7 @@
               <a:t>,</a:t>
             </a:r>
             <a:r>
-              <a:rPr kumimoji="0" lang="en-US" altLang="en-US" sz="2200" b="0" i="0" u="none" strike="noStrike" cap="none" normalizeH="0" baseline="0">
+              <a:rPr kumimoji="0" lang="en-US" altLang="en-US" sz="2200" b="0" i="0" u="none" strike="noStrike" cap="none" normalizeH="0" baseline="0" dirty="0">
                 <a:ln>
                   <a:noFill/>
                 </a:ln>
@@ -6470,7 +6470,7 @@
               <a:t> </a:t>
             </a:r>
             <a:r>
-              <a:rPr kumimoji="0" lang="en-US" altLang="en-US" sz="2200" b="0" i="0" u="none" strike="noStrike" cap="none" normalizeH="0" baseline="0">
+              <a:rPr kumimoji="0" lang="en-US" altLang="en-US" sz="2200" b="0" i="0" u="none" strike="noStrike" cap="none" normalizeH="0" baseline="0" dirty="0">
                 <a:ln>
                   <a:noFill/>
                 </a:ln>
@@ -6483,7 +6483,7 @@
               <a:t>'November’</a:t>
             </a:r>
             <a:r>
-              <a:rPr kumimoji="0" lang="en-US" altLang="en-US" sz="2200" b="0" i="0" u="none" strike="noStrike" cap="none" normalizeH="0" baseline="0">
+              <a:rPr kumimoji="0" lang="en-US" altLang="en-US" sz="2200" b="0" i="0" u="none" strike="noStrike" cap="none" normalizeH="0" baseline="0" dirty="0">
                 <a:ln>
                   <a:noFill/>
                 </a:ln>
@@ -6495,7 +6495,7 @@
               </a:rPr>
               <a:t>])</a:t>
             </a:r>
-            <a:endParaRPr lang="en-US" altLang="en-US" sz="2200">
+            <a:endParaRPr lang="en-US" altLang="en-US" sz="2200" dirty="0">
               <a:solidFill>
                 <a:srgbClr val="212529"/>
               </a:solidFill>
@@ -6520,7 +6520,7 @@
               <a:tabLst/>
             </a:pPr>
             <a:r>
-              <a:rPr kumimoji="0" lang="en-US" altLang="en-US" sz="2200" b="0" i="0" u="none" strike="noStrike" cap="none" normalizeH="0" baseline="0">
+              <a:rPr kumimoji="0" lang="en-US" altLang="en-US" sz="2200" b="0" i="0" u="none" strike="noStrike" cap="none" normalizeH="0" baseline="0" dirty="0">
                 <a:ln>
                   <a:noFill/>
                 </a:ln>
@@ -6533,7 +6533,7 @@
               <a:t>	</a:t>
             </a:r>
             <a:r>
-              <a:rPr kumimoji="0" lang="en-US" altLang="en-US" sz="2200" b="0" i="0" u="none" strike="noStrike" cap="none" normalizeH="0" baseline="0">
+              <a:rPr kumimoji="0" lang="en-US" altLang="en-US" sz="2200" b="0" i="0" u="none" strike="noStrike" cap="none" normalizeH="0" baseline="0" dirty="0">
                 <a:ln>
                   <a:noFill/>
                 </a:ln>
@@ -6546,7 +6546,7 @@
               <a:t>employee_writer</a:t>
             </a:r>
             <a:r>
-              <a:rPr kumimoji="0" lang="en-US" altLang="en-US" sz="2200" b="0" i="0" u="none" strike="noStrike" cap="none" normalizeH="0" baseline="0">
+              <a:rPr kumimoji="0" lang="en-US" altLang="en-US" sz="2200" b="0" i="0" u="none" strike="noStrike" cap="none" normalizeH="0" baseline="0" dirty="0">
                 <a:ln>
                   <a:noFill/>
                 </a:ln>
@@ -6559,7 +6559,7 @@
               <a:t>.</a:t>
             </a:r>
             <a:r>
-              <a:rPr kumimoji="0" lang="en-US" altLang="en-US" sz="2200" b="0" i="0" u="none" strike="noStrike" cap="none" normalizeH="0" baseline="0">
+              <a:rPr kumimoji="0" lang="en-US" altLang="en-US" sz="2200" b="0" i="0" u="none" strike="noStrike" cap="none" normalizeH="0" baseline="0" dirty="0">
                 <a:ln>
                   <a:noFill/>
                 </a:ln>
@@ -6572,7 +6572,7 @@
               <a:t>writerow</a:t>
             </a:r>
             <a:r>
-              <a:rPr kumimoji="0" lang="en-US" altLang="en-US" sz="2200" b="0" i="0" u="none" strike="noStrike" cap="none" normalizeH="0" baseline="0">
+              <a:rPr kumimoji="0" lang="en-US" altLang="en-US" sz="2200" b="0" i="0" u="none" strike="noStrike" cap="none" normalizeH="0" baseline="0" dirty="0">
                 <a:ln>
                   <a:noFill/>
                 </a:ln>
@@ -6585,7 +6585,7 @@
               <a:t>([</a:t>
             </a:r>
             <a:r>
-              <a:rPr kumimoji="0" lang="en-US" altLang="en-US" sz="2200" b="0" i="0" u="none" strike="noStrike" cap="none" normalizeH="0" baseline="0">
+              <a:rPr kumimoji="0" lang="en-US" altLang="en-US" sz="2200" b="0" i="0" u="none" strike="noStrike" cap="none" normalizeH="0" baseline="0" dirty="0">
                 <a:ln>
                   <a:noFill/>
                 </a:ln>
@@ -6598,7 +6598,7 @@
               <a:t>'Erica Meyers'</a:t>
             </a:r>
             <a:r>
-              <a:rPr kumimoji="0" lang="en-US" altLang="en-US" sz="2200" b="0" i="0" u="none" strike="noStrike" cap="none" normalizeH="0" baseline="0">
+              <a:rPr kumimoji="0" lang="en-US" altLang="en-US" sz="2200" b="0" i="0" u="none" strike="noStrike" cap="none" normalizeH="0" baseline="0" dirty="0">
                 <a:ln>
                   <a:noFill/>
                 </a:ln>
@@ -6611,7 +6611,7 @@
               <a:t>,</a:t>
             </a:r>
             <a:r>
-              <a:rPr kumimoji="0" lang="en-US" altLang="en-US" sz="2200" b="0" i="0" u="none" strike="noStrike" cap="none" normalizeH="0" baseline="0">
+              <a:rPr kumimoji="0" lang="en-US" altLang="en-US" sz="2200" b="0" i="0" u="none" strike="noStrike" cap="none" normalizeH="0" baseline="0" dirty="0">
                 <a:ln>
                   <a:noFill/>
                 </a:ln>
@@ -6624,7 +6624,7 @@
               <a:t> </a:t>
             </a:r>
             <a:r>
-              <a:rPr kumimoji="0" lang="en-US" altLang="en-US" sz="2200" b="0" i="0" u="none" strike="noStrike" cap="none" normalizeH="0" baseline="0">
+              <a:rPr kumimoji="0" lang="en-US" altLang="en-US" sz="2200" b="0" i="0" u="none" strike="noStrike" cap="none" normalizeH="0" baseline="0" dirty="0">
                 <a:ln>
                   <a:noFill/>
                 </a:ln>
@@ -6637,7 +6637,7 @@
               <a:t>'IT'</a:t>
             </a:r>
             <a:r>
-              <a:rPr kumimoji="0" lang="en-US" altLang="en-US" sz="2200" b="0" i="0" u="none" strike="noStrike" cap="none" normalizeH="0" baseline="0">
+              <a:rPr kumimoji="0" lang="en-US" altLang="en-US" sz="2200" b="0" i="0" u="none" strike="noStrike" cap="none" normalizeH="0" baseline="0" dirty="0">
                 <a:ln>
                   <a:noFill/>
                 </a:ln>
@@ -6650,7 +6650,7 @@
               <a:t>,</a:t>
             </a:r>
             <a:r>
-              <a:rPr kumimoji="0" lang="en-US" altLang="en-US" sz="2200" b="0" i="0" u="none" strike="noStrike" cap="none" normalizeH="0" baseline="0">
+              <a:rPr kumimoji="0" lang="en-US" altLang="en-US" sz="2200" b="0" i="0" u="none" strike="noStrike" cap="none" normalizeH="0" baseline="0" dirty="0">
                 <a:ln>
                   <a:noFill/>
                 </a:ln>
@@ -6663,7 +6663,7 @@
               <a:t> </a:t>
             </a:r>
             <a:r>
-              <a:rPr kumimoji="0" lang="en-US" altLang="en-US" sz="2200" b="0" i="0" u="none" strike="noStrike" cap="none" normalizeH="0" baseline="0">
+              <a:rPr kumimoji="0" lang="en-US" altLang="en-US" sz="2200" b="0" i="0" u="none" strike="noStrike" cap="none" normalizeH="0" baseline="0" dirty="0">
                 <a:ln>
                   <a:noFill/>
                 </a:ln>
@@ -6676,7 +6676,7 @@
               <a:t>'March'</a:t>
             </a:r>
             <a:r>
-              <a:rPr kumimoji="0" lang="en-US" altLang="en-US" sz="2200" b="0" i="0" u="none" strike="noStrike" cap="none" normalizeH="0" baseline="0">
+              <a:rPr kumimoji="0" lang="en-US" altLang="en-US" sz="2200" b="0" i="0" u="none" strike="noStrike" cap="none" normalizeH="0" baseline="0" dirty="0">
                 <a:ln>
                   <a:noFill/>
                 </a:ln>
@@ -6689,7 +6689,7 @@
               <a:t>])</a:t>
             </a:r>
             <a:r>
-              <a:rPr kumimoji="0" lang="en-US" altLang="en-US" sz="2200" b="0" i="0" u="none" strike="noStrike" cap="none" normalizeH="0" baseline="0">
+              <a:rPr kumimoji="0" lang="en-US" altLang="en-US" sz="2200" b="0" i="0" u="none" strike="noStrike" cap="none" normalizeH="0" baseline="0" dirty="0">
                 <a:ln>
                   <a:noFill/>
                 </a:ln>
@@ -6700,7 +6700,7 @@
               </a:rPr>
               <a:t> </a:t>
             </a:r>
-            <a:endParaRPr kumimoji="0" lang="en-US" altLang="en-US" sz="2200" b="0" i="0" u="none" strike="noStrike" cap="none" normalizeH="0" baseline="0">
+            <a:endParaRPr kumimoji="0" lang="en-US" altLang="en-US" sz="2200" b="0" i="0" u="none" strike="noStrike" cap="none" normalizeH="0" baseline="0" dirty="0">
               <a:ln>
                 <a:noFill/>
               </a:ln>
